--- a/smallPT_projectACG/presentation/Advanced Computer Graphics.pptx
+++ b/smallPT_projectACG/presentation/Advanced Computer Graphics.pptx
@@ -2,7 +2,7 @@
 <file path=ppt/presentation.xml><?xml version="1.0" encoding="utf-8"?>
 <p:presentation xmlns:a="http://schemas.openxmlformats.org/drawingml/2006/main" xmlns:r="http://schemas.openxmlformats.org/officeDocument/2006/relationships" xmlns:p="http://schemas.openxmlformats.org/presentationml/2006/main" autoCompressPictures="0">
   <p:sldMasterIdLst>
-    <p:sldMasterId id="2147483648" r:id="rId1"/>
+    <p:sldMasterId id="2147483661" r:id="rId1"/>
   </p:sldMasterIdLst>
   <p:sldIdLst>
     <p:sldId id="256" r:id="rId2"/>
@@ -16,7 +16,7 @@
     <p:sldId id="264" r:id="rId10"/>
     <p:sldId id="265" r:id="rId11"/>
   </p:sldIdLst>
-  <p:sldSz cx="12192000" cy="6858000"/>
+  <p:sldSz cx="9144000" cy="6858000" type="screen4x3"/>
   <p:notesSz cx="6858000" cy="9144000"/>
   <p:defaultTextStyle>
     <a:defPPr>
@@ -132,13 +132,16 @@
         </p14:section>
       </p14:sectionLst>
     </p:ext>
+    <p:ext uri="{EFAFB233-063F-42B5-8137-9DF3F51BA10A}">
+      <p15:sldGuideLst xmlns:p15="http://schemas.microsoft.com/office/powerpoint/2012/main"/>
+    </p:ext>
   </p:extLst>
 </p:presentation>
 </file>
 
 <file path=ppt/slideLayouts/slideLayout1.xml><?xml version="1.0" encoding="utf-8"?>
 <p:sldLayout xmlns:a="http://schemas.openxmlformats.org/drawingml/2006/main" xmlns:r="http://schemas.openxmlformats.org/officeDocument/2006/relationships" xmlns:p="http://schemas.openxmlformats.org/presentationml/2006/main" showMasterSp="0" type="title" preserve="1">
-  <p:cSld name="Title Slide">
+  <p:cSld name="Titelfolie">
     <p:spTree>
       <p:nvGrpSpPr>
         <p:cNvPr id="1" name=""/>
@@ -161,8 +164,8 @@
         </p:nvSpPr>
         <p:spPr>
           <a:xfrm>
-            <a:off x="3175" y="6400800"/>
-            <a:ext cx="12188825" cy="457200"/>
+            <a:off x="2382" y="6400800"/>
+            <a:ext cx="9141619" cy="457200"/>
           </a:xfrm>
           <a:prstGeom prst="rect">
             <a:avLst/>
@@ -199,8 +202,8 @@
         </p:nvSpPr>
         <p:spPr>
           <a:xfrm>
-            <a:off x="15" y="6334316"/>
-            <a:ext cx="12188825" cy="64008"/>
+            <a:off x="12" y="6334316"/>
+            <a:ext cx="9141619" cy="64008"/>
           </a:xfrm>
           <a:prstGeom prst="rect">
             <a:avLst/>
@@ -241,8 +244,8 @@
         </p:nvSpPr>
         <p:spPr>
           <a:xfrm>
-            <a:off x="1097280" y="758952"/>
-            <a:ext cx="10058400" cy="3566160"/>
+            <a:off x="822960" y="758952"/>
+            <a:ext cx="7543800" cy="3566160"/>
           </a:xfrm>
         </p:spPr>
         <p:txBody>
@@ -266,8 +269,8 @@
           </a:lstStyle>
           <a:p>
             <a:r>
-              <a:rPr lang="en-US" smtClean="0"/>
-              <a:t>Click to edit Master title style</a:t>
+              <a:rPr lang="de-DE" smtClean="0"/>
+              <a:t>Titelmasterformat durch Klicken bearbeiten</a:t>
             </a:r>
             <a:endParaRPr lang="en-US" dirty="0"/>
           </a:p>
@@ -285,8 +288,8 @@
         </p:nvSpPr>
         <p:spPr>
           <a:xfrm>
-            <a:off x="1100051" y="4455620"/>
-            <a:ext cx="10058400" cy="1143000"/>
+            <a:off x="825038" y="4455621"/>
+            <a:ext cx="7543800" cy="1143000"/>
           </a:xfrm>
         </p:spPr>
         <p:txBody>
@@ -338,30 +341,30 @@
           </a:lstStyle>
           <a:p>
             <a:r>
+              <a:rPr lang="de-DE" smtClean="0"/>
+              <a:t>Formatvorlage des Untertitelmasters durch Klicken bearbeiten</a:t>
+            </a:r>
+            <a:endParaRPr lang="en-US" dirty="0"/>
+          </a:p>
+        </p:txBody>
+      </p:sp>
+      <p:sp>
+        <p:nvSpPr>
+          <p:cNvPr id="4" name="Date Placeholder 3"/>
+          <p:cNvSpPr>
+            <a:spLocks noGrp="1"/>
+          </p:cNvSpPr>
+          <p:nvPr>
+            <p:ph type="dt" sz="half" idx="10"/>
+          </p:nvPr>
+        </p:nvSpPr>
+        <p:spPr/>
+        <p:txBody>
+          <a:bodyPr/>
+          <a:lstStyle/>
+          <a:p>
+            <a:fld id="{98624D31-43A5-475A-80CF-332C9F6DCF35}" type="datetimeFigureOut">
               <a:rPr lang="en-US" smtClean="0"/>
-              <a:t>Click to edit Master subtitle style</a:t>
-            </a:r>
-            <a:endParaRPr lang="en-US" dirty="0"/>
-          </a:p>
-        </p:txBody>
-      </p:sp>
-      <p:sp>
-        <p:nvSpPr>
-          <p:cNvPr id="4" name="Date Placeholder 3"/>
-          <p:cNvSpPr>
-            <a:spLocks noGrp="1"/>
-          </p:cNvSpPr>
-          <p:nvPr>
-            <p:ph type="dt" sz="half" idx="10"/>
-          </p:nvPr>
-        </p:nvSpPr>
-        <p:spPr/>
-        <p:txBody>
-          <a:bodyPr/>
-          <a:lstStyle/>
-          <a:p>
-            <a:fld id="{4BDF68E2-58F2-4D09-BE8B-E3BD06533059}" type="datetimeFigureOut">
-              <a:rPr lang="en-US" dirty="0"/>
               <a:t>11/19/2014</a:t>
             </a:fld>
             <a:endParaRPr lang="en-US" dirty="0"/>
@@ -403,8 +406,9 @@
           <a:lstStyle/>
           <a:p>
             <a:fld id="{4FAB73BC-B049-4115-A692-8D63A059BFB8}" type="slidenum">
-              <a:rPr lang="en-US" dirty="0"/>
-              <a:t>‹#›</a:t>
+              <a:rPr lang="en-US" smtClean="0"/>
+              <a:pPr/>
+              <a:t>‹Nr.›</a:t>
             </a:fld>
             <a:endParaRPr lang="en-US" dirty="0"/>
           </a:p>
@@ -418,8 +422,8 @@
         </p:nvCxnSpPr>
         <p:spPr>
           <a:xfrm>
-            <a:off x="1207658" y="4343400"/>
-            <a:ext cx="9875520" cy="0"/>
+            <a:off x="905744" y="4343400"/>
+            <a:ext cx="7406640" cy="0"/>
           </a:xfrm>
           <a:prstGeom prst="line">
             <a:avLst/>
@@ -449,16 +453,22 @@
         </p:style>
       </p:cxnSp>
     </p:spTree>
+    <p:extLst>
+      <p:ext uri="{BB962C8B-B14F-4D97-AF65-F5344CB8AC3E}">
+        <p14:creationId xmlns:p14="http://schemas.microsoft.com/office/powerpoint/2010/main" val="541013309"/>
+      </p:ext>
+    </p:extLst>
   </p:cSld>
   <p:clrMapOvr>
     <a:masterClrMapping/>
   </p:clrMapOvr>
+  <p:hf sldNum="0" hdr="0" ftr="0" dt="0"/>
 </p:sldLayout>
 </file>
 
 <file path=ppt/slideLayouts/slideLayout10.xml><?xml version="1.0" encoding="utf-8"?>
 <p:sldLayout xmlns:a="http://schemas.openxmlformats.org/drawingml/2006/main" xmlns:r="http://schemas.openxmlformats.org/officeDocument/2006/relationships" xmlns:p="http://schemas.openxmlformats.org/presentationml/2006/main" type="vertTx" preserve="1">
-  <p:cSld name="Title and Vertical Text">
+  <p:cSld name="Titel und vertikaler Text">
     <p:spTree>
       <p:nvGrpSpPr>
         <p:cNvPr id="1" name=""/>
@@ -489,82 +499,82 @@
           <a:lstStyle/>
           <a:p>
             <a:r>
+              <a:rPr lang="de-DE" smtClean="0"/>
+              <a:t>Titelmasterformat durch Klicken bearbeiten</a:t>
+            </a:r>
+            <a:endParaRPr lang="en-US" dirty="0"/>
+          </a:p>
+        </p:txBody>
+      </p:sp>
+      <p:sp>
+        <p:nvSpPr>
+          <p:cNvPr id="3" name="Vertical Text Placeholder 2"/>
+          <p:cNvSpPr>
+            <a:spLocks noGrp="1"/>
+          </p:cNvSpPr>
+          <p:nvPr>
+            <p:ph type="body" orient="vert" idx="1"/>
+          </p:nvPr>
+        </p:nvSpPr>
+        <p:spPr/>
+        <p:txBody>
+          <a:bodyPr vert="eaVert" lIns="45720" tIns="0" rIns="45720" bIns="0"/>
+          <a:lstStyle/>
+          <a:p>
+            <a:pPr lvl="0"/>
+            <a:r>
+              <a:rPr lang="de-DE" smtClean="0"/>
+              <a:t>Textmasterformat bearbeiten</a:t>
+            </a:r>
+          </a:p>
+          <a:p>
+            <a:pPr lvl="1"/>
+            <a:r>
+              <a:rPr lang="de-DE" smtClean="0"/>
+              <a:t>Zweite Ebene</a:t>
+            </a:r>
+          </a:p>
+          <a:p>
+            <a:pPr lvl="2"/>
+            <a:r>
+              <a:rPr lang="de-DE" smtClean="0"/>
+              <a:t>Dritte Ebene</a:t>
+            </a:r>
+          </a:p>
+          <a:p>
+            <a:pPr lvl="3"/>
+            <a:r>
+              <a:rPr lang="de-DE" smtClean="0"/>
+              <a:t>Vierte Ebene</a:t>
+            </a:r>
+          </a:p>
+          <a:p>
+            <a:pPr lvl="4"/>
+            <a:r>
+              <a:rPr lang="de-DE" smtClean="0"/>
+              <a:t>Fünfte Ebene</a:t>
+            </a:r>
+            <a:endParaRPr lang="en-US" dirty="0"/>
+          </a:p>
+        </p:txBody>
+      </p:sp>
+      <p:sp>
+        <p:nvSpPr>
+          <p:cNvPr id="4" name="Date Placeholder 3"/>
+          <p:cNvSpPr>
+            <a:spLocks noGrp="1"/>
+          </p:cNvSpPr>
+          <p:nvPr>
+            <p:ph type="dt" sz="half" idx="10"/>
+          </p:nvPr>
+        </p:nvSpPr>
+        <p:spPr/>
+        <p:txBody>
+          <a:bodyPr/>
+          <a:lstStyle/>
+          <a:p>
+            <a:fld id="{98624D31-43A5-475A-80CF-332C9F6DCF35}" type="datetimeFigureOut">
               <a:rPr lang="en-US" smtClean="0"/>
-              <a:t>Click to edit Master title style</a:t>
-            </a:r>
-            <a:endParaRPr lang="en-US" dirty="0"/>
-          </a:p>
-        </p:txBody>
-      </p:sp>
-      <p:sp>
-        <p:nvSpPr>
-          <p:cNvPr id="3" name="Vertical Text Placeholder 2"/>
-          <p:cNvSpPr>
-            <a:spLocks noGrp="1"/>
-          </p:cNvSpPr>
-          <p:nvPr>
-            <p:ph type="body" orient="vert" idx="1"/>
-          </p:nvPr>
-        </p:nvSpPr>
-        <p:spPr/>
-        <p:txBody>
-          <a:bodyPr vert="eaVert" lIns="45720" tIns="0" rIns="45720" bIns="0"/>
-          <a:lstStyle/>
-          <a:p>
-            <a:pPr lvl="0"/>
-            <a:r>
-              <a:rPr lang="en-US" smtClean="0"/>
-              <a:t>Click to edit Master text styles</a:t>
-            </a:r>
-          </a:p>
-          <a:p>
-            <a:pPr lvl="1"/>
-            <a:r>
-              <a:rPr lang="en-US" smtClean="0"/>
-              <a:t>Second level</a:t>
-            </a:r>
-          </a:p>
-          <a:p>
-            <a:pPr lvl="2"/>
-            <a:r>
-              <a:rPr lang="en-US" smtClean="0"/>
-              <a:t>Third level</a:t>
-            </a:r>
-          </a:p>
-          <a:p>
-            <a:pPr lvl="3"/>
-            <a:r>
-              <a:rPr lang="en-US" smtClean="0"/>
-              <a:t>Fourth level</a:t>
-            </a:r>
-          </a:p>
-          <a:p>
-            <a:pPr lvl="4"/>
-            <a:r>
-              <a:rPr lang="en-US" smtClean="0"/>
-              <a:t>Fifth level</a:t>
-            </a:r>
-            <a:endParaRPr lang="en-US" dirty="0"/>
-          </a:p>
-        </p:txBody>
-      </p:sp>
-      <p:sp>
-        <p:nvSpPr>
-          <p:cNvPr id="4" name="Date Placeholder 3"/>
-          <p:cNvSpPr>
-            <a:spLocks noGrp="1"/>
-          </p:cNvSpPr>
-          <p:nvPr>
-            <p:ph type="dt" sz="half" idx="10"/>
-          </p:nvPr>
-        </p:nvSpPr>
-        <p:spPr/>
-        <p:txBody>
-          <a:bodyPr/>
-          <a:lstStyle/>
-          <a:p>
-            <a:fld id="{2E2D6473-DF6D-4702-B328-E0DD40540A4E}" type="datetimeFigureOut">
-              <a:rPr lang="en-US" dirty="0"/>
               <a:t>11/19/2014</a:t>
             </a:fld>
             <a:endParaRPr lang="en-US" dirty="0"/>
@@ -606,24 +616,31 @@
           <a:lstStyle/>
           <a:p>
             <a:fld id="{4FAB73BC-B049-4115-A692-8D63A059BFB8}" type="slidenum">
-              <a:rPr lang="en-US" dirty="0"/>
-              <a:t>‹#›</a:t>
+              <a:rPr lang="en-US" smtClean="0"/>
+              <a:pPr/>
+              <a:t>‹Nr.›</a:t>
             </a:fld>
             <a:endParaRPr lang="en-US" dirty="0"/>
           </a:p>
         </p:txBody>
       </p:sp>
     </p:spTree>
+    <p:extLst>
+      <p:ext uri="{BB962C8B-B14F-4D97-AF65-F5344CB8AC3E}">
+        <p14:creationId xmlns:p14="http://schemas.microsoft.com/office/powerpoint/2010/main" val="965697133"/>
+      </p:ext>
+    </p:extLst>
   </p:cSld>
   <p:clrMapOvr>
     <a:masterClrMapping/>
   </p:clrMapOvr>
+  <p:hf sldNum="0" hdr="0" ftr="0" dt="0"/>
 </p:sldLayout>
 </file>
 
 <file path=ppt/slideLayouts/slideLayout11.xml><?xml version="1.0" encoding="utf-8"?>
 <p:sldLayout xmlns:a="http://schemas.openxmlformats.org/drawingml/2006/main" xmlns:r="http://schemas.openxmlformats.org/officeDocument/2006/relationships" xmlns:p="http://schemas.openxmlformats.org/presentationml/2006/main" showMasterSp="0" type="vertTitleAndTx" preserve="1">
-  <p:cSld name="Vertical Title and Text">
+  <p:cSld name="Vertikaler Titel und Text">
     <p:spTree>
       <p:nvGrpSpPr>
         <p:cNvPr id="1" name=""/>
@@ -646,8 +663,8 @@
         </p:nvSpPr>
         <p:spPr>
           <a:xfrm>
-            <a:off x="3175" y="6400800"/>
-            <a:ext cx="12188825" cy="457200"/>
+            <a:off x="2382" y="6400800"/>
+            <a:ext cx="9141619" cy="457200"/>
           </a:xfrm>
           <a:prstGeom prst="rect">
             <a:avLst/>
@@ -684,8 +701,8 @@
         </p:nvSpPr>
         <p:spPr>
           <a:xfrm>
-            <a:off x="15" y="6334316"/>
-            <a:ext cx="12188825" cy="64008"/>
+            <a:off x="12" y="6334316"/>
+            <a:ext cx="9141619" cy="64008"/>
           </a:xfrm>
           <a:prstGeom prst="rect">
             <a:avLst/>
@@ -726,8 +743,8 @@
         </p:nvSpPr>
         <p:spPr>
           <a:xfrm>
-            <a:off x="8724900" y="414778"/>
-            <a:ext cx="2628900" cy="5757421"/>
+            <a:off x="6543675" y="414779"/>
+            <a:ext cx="1971675" cy="5757421"/>
           </a:xfrm>
         </p:spPr>
         <p:txBody>
@@ -735,8 +752,8 @@
           <a:lstStyle/>
           <a:p>
             <a:r>
-              <a:rPr lang="en-US" smtClean="0"/>
-              <a:t>Click to edit Master title style</a:t>
+              <a:rPr lang="de-DE" smtClean="0"/>
+              <a:t>Titelmasterformat durch Klicken bearbeiten</a:t>
             </a:r>
             <a:endParaRPr lang="en-US" dirty="0"/>
           </a:p>
@@ -754,8 +771,8 @@
         </p:nvSpPr>
         <p:spPr>
           <a:xfrm>
-            <a:off x="838200" y="414778"/>
-            <a:ext cx="7734300" cy="5757422"/>
+            <a:off x="628650" y="414779"/>
+            <a:ext cx="5800725" cy="5757420"/>
           </a:xfrm>
         </p:spPr>
         <p:txBody>
@@ -764,58 +781,58 @@
           <a:p>
             <a:pPr lvl="0"/>
             <a:r>
+              <a:rPr lang="de-DE" smtClean="0"/>
+              <a:t>Textmasterformat bearbeiten</a:t>
+            </a:r>
+          </a:p>
+          <a:p>
+            <a:pPr lvl="1"/>
+            <a:r>
+              <a:rPr lang="de-DE" smtClean="0"/>
+              <a:t>Zweite Ebene</a:t>
+            </a:r>
+          </a:p>
+          <a:p>
+            <a:pPr lvl="2"/>
+            <a:r>
+              <a:rPr lang="de-DE" smtClean="0"/>
+              <a:t>Dritte Ebene</a:t>
+            </a:r>
+          </a:p>
+          <a:p>
+            <a:pPr lvl="3"/>
+            <a:r>
+              <a:rPr lang="de-DE" smtClean="0"/>
+              <a:t>Vierte Ebene</a:t>
+            </a:r>
+          </a:p>
+          <a:p>
+            <a:pPr lvl="4"/>
+            <a:r>
+              <a:rPr lang="de-DE" smtClean="0"/>
+              <a:t>Fünfte Ebene</a:t>
+            </a:r>
+            <a:endParaRPr lang="en-US" dirty="0"/>
+          </a:p>
+        </p:txBody>
+      </p:sp>
+      <p:sp>
+        <p:nvSpPr>
+          <p:cNvPr id="4" name="Date Placeholder 3"/>
+          <p:cNvSpPr>
+            <a:spLocks noGrp="1"/>
+          </p:cNvSpPr>
+          <p:nvPr>
+            <p:ph type="dt" sz="half" idx="10"/>
+          </p:nvPr>
+        </p:nvSpPr>
+        <p:spPr/>
+        <p:txBody>
+          <a:bodyPr/>
+          <a:lstStyle/>
+          <a:p>
+            <a:fld id="{98624D31-43A5-475A-80CF-332C9F6DCF35}" type="datetimeFigureOut">
               <a:rPr lang="en-US" smtClean="0"/>
-              <a:t>Click to edit Master text styles</a:t>
-            </a:r>
-          </a:p>
-          <a:p>
-            <a:pPr lvl="1"/>
-            <a:r>
-              <a:rPr lang="en-US" smtClean="0"/>
-              <a:t>Second level</a:t>
-            </a:r>
-          </a:p>
-          <a:p>
-            <a:pPr lvl="2"/>
-            <a:r>
-              <a:rPr lang="en-US" smtClean="0"/>
-              <a:t>Third level</a:t>
-            </a:r>
-          </a:p>
-          <a:p>
-            <a:pPr lvl="3"/>
-            <a:r>
-              <a:rPr lang="en-US" smtClean="0"/>
-              <a:t>Fourth level</a:t>
-            </a:r>
-          </a:p>
-          <a:p>
-            <a:pPr lvl="4"/>
-            <a:r>
-              <a:rPr lang="en-US" smtClean="0"/>
-              <a:t>Fifth level</a:t>
-            </a:r>
-            <a:endParaRPr lang="en-US" dirty="0"/>
-          </a:p>
-        </p:txBody>
-      </p:sp>
-      <p:sp>
-        <p:nvSpPr>
-          <p:cNvPr id="4" name="Date Placeholder 3"/>
-          <p:cNvSpPr>
-            <a:spLocks noGrp="1"/>
-          </p:cNvSpPr>
-          <p:nvPr>
-            <p:ph type="dt" sz="half" idx="10"/>
-          </p:nvPr>
-        </p:nvSpPr>
-        <p:spPr/>
-        <p:txBody>
-          <a:bodyPr/>
-          <a:lstStyle/>
-          <a:p>
-            <a:fld id="{E26F7E3A-B166-407D-9866-32884E7D5B37}" type="datetimeFigureOut">
-              <a:rPr lang="en-US" dirty="0"/>
               <a:t>11/19/2014</a:t>
             </a:fld>
             <a:endParaRPr lang="en-US" dirty="0"/>
@@ -857,24 +874,31 @@
           <a:lstStyle/>
           <a:p>
             <a:fld id="{4FAB73BC-B049-4115-A692-8D63A059BFB8}" type="slidenum">
-              <a:rPr lang="en-US" dirty="0"/>
-              <a:t>‹#›</a:t>
+              <a:rPr lang="en-US" smtClean="0"/>
+              <a:pPr/>
+              <a:t>‹Nr.›</a:t>
             </a:fld>
             <a:endParaRPr lang="en-US" dirty="0"/>
           </a:p>
         </p:txBody>
       </p:sp>
     </p:spTree>
+    <p:extLst>
+      <p:ext uri="{BB962C8B-B14F-4D97-AF65-F5344CB8AC3E}">
+        <p14:creationId xmlns:p14="http://schemas.microsoft.com/office/powerpoint/2010/main" val="2941292756"/>
+      </p:ext>
+    </p:extLst>
   </p:cSld>
   <p:clrMapOvr>
     <a:masterClrMapping/>
   </p:clrMapOvr>
+  <p:hf sldNum="0" hdr="0" ftr="0" dt="0"/>
 </p:sldLayout>
 </file>
 
 <file path=ppt/slideLayouts/slideLayout2.xml><?xml version="1.0" encoding="utf-8"?>
 <p:sldLayout xmlns:a="http://schemas.openxmlformats.org/drawingml/2006/main" xmlns:r="http://schemas.openxmlformats.org/officeDocument/2006/relationships" xmlns:p="http://schemas.openxmlformats.org/presentationml/2006/main" type="obj" preserve="1">
-  <p:cSld name="Title and Content">
+  <p:cSld name="Titel und Inhalt">
     <p:spTree>
       <p:nvGrpSpPr>
         <p:cNvPr id="1" name=""/>
@@ -902,89 +926,85 @@
         <p:spPr/>
         <p:txBody>
           <a:bodyPr/>
-          <a:lstStyle>
-            <a:lvl1pPr marL="0">
-              <a:defRPr/>
-            </a:lvl1pPr>
-          </a:lstStyle>
-          <a:p>
-            <a:r>
+          <a:lstStyle/>
+          <a:p>
+            <a:r>
+              <a:rPr lang="de-DE" smtClean="0"/>
+              <a:t>Titelmasterformat durch Klicken bearbeiten</a:t>
+            </a:r>
+            <a:endParaRPr lang="en-US" dirty="0"/>
+          </a:p>
+        </p:txBody>
+      </p:sp>
+      <p:sp>
+        <p:nvSpPr>
+          <p:cNvPr id="3" name="Content Placeholder 2"/>
+          <p:cNvSpPr>
+            <a:spLocks noGrp="1"/>
+          </p:cNvSpPr>
+          <p:nvPr>
+            <p:ph idx="1"/>
+          </p:nvPr>
+        </p:nvSpPr>
+        <p:spPr/>
+        <p:txBody>
+          <a:bodyPr/>
+          <a:lstStyle/>
+          <a:p>
+            <a:pPr lvl="0"/>
+            <a:r>
+              <a:rPr lang="de-DE" smtClean="0"/>
+              <a:t>Textmasterformat bearbeiten</a:t>
+            </a:r>
+          </a:p>
+          <a:p>
+            <a:pPr lvl="1"/>
+            <a:r>
+              <a:rPr lang="de-DE" smtClean="0"/>
+              <a:t>Zweite Ebene</a:t>
+            </a:r>
+          </a:p>
+          <a:p>
+            <a:pPr lvl="2"/>
+            <a:r>
+              <a:rPr lang="de-DE" smtClean="0"/>
+              <a:t>Dritte Ebene</a:t>
+            </a:r>
+          </a:p>
+          <a:p>
+            <a:pPr lvl="3"/>
+            <a:r>
+              <a:rPr lang="de-DE" smtClean="0"/>
+              <a:t>Vierte Ebene</a:t>
+            </a:r>
+          </a:p>
+          <a:p>
+            <a:pPr lvl="4"/>
+            <a:r>
+              <a:rPr lang="de-DE" smtClean="0"/>
+              <a:t>Fünfte Ebene</a:t>
+            </a:r>
+            <a:endParaRPr lang="en-US" dirty="0"/>
+          </a:p>
+        </p:txBody>
+      </p:sp>
+      <p:sp>
+        <p:nvSpPr>
+          <p:cNvPr id="4" name="Date Placeholder 3"/>
+          <p:cNvSpPr>
+            <a:spLocks noGrp="1"/>
+          </p:cNvSpPr>
+          <p:nvPr>
+            <p:ph type="dt" sz="half" idx="10"/>
+          </p:nvPr>
+        </p:nvSpPr>
+        <p:spPr/>
+        <p:txBody>
+          <a:bodyPr/>
+          <a:lstStyle/>
+          <a:p>
+            <a:fld id="{98624D31-43A5-475A-80CF-332C9F6DCF35}" type="datetimeFigureOut">
               <a:rPr lang="en-US" smtClean="0"/>
-              <a:t>Click to edit Master title style</a:t>
-            </a:r>
-            <a:endParaRPr lang="en-US" dirty="0"/>
-          </a:p>
-        </p:txBody>
-      </p:sp>
-      <p:sp>
-        <p:nvSpPr>
-          <p:cNvPr id="3" name="Content Placeholder 2"/>
-          <p:cNvSpPr>
-            <a:spLocks noGrp="1"/>
-          </p:cNvSpPr>
-          <p:nvPr>
-            <p:ph idx="1"/>
-          </p:nvPr>
-        </p:nvSpPr>
-        <p:spPr/>
-        <p:txBody>
-          <a:bodyPr/>
-          <a:lstStyle/>
-          <a:p>
-            <a:pPr lvl="0"/>
-            <a:r>
-              <a:rPr lang="en-US" smtClean="0"/>
-              <a:t>Click to edit Master text styles</a:t>
-            </a:r>
-          </a:p>
-          <a:p>
-            <a:pPr lvl="1"/>
-            <a:r>
-              <a:rPr lang="en-US" smtClean="0"/>
-              <a:t>Second level</a:t>
-            </a:r>
-          </a:p>
-          <a:p>
-            <a:pPr lvl="2"/>
-            <a:r>
-              <a:rPr lang="en-US" smtClean="0"/>
-              <a:t>Third level</a:t>
-            </a:r>
-          </a:p>
-          <a:p>
-            <a:pPr lvl="3"/>
-            <a:r>
-              <a:rPr lang="en-US" smtClean="0"/>
-              <a:t>Fourth level</a:t>
-            </a:r>
-          </a:p>
-          <a:p>
-            <a:pPr lvl="4"/>
-            <a:r>
-              <a:rPr lang="en-US" smtClean="0"/>
-              <a:t>Fifth level</a:t>
-            </a:r>
-            <a:endParaRPr lang="en-US" dirty="0"/>
-          </a:p>
-        </p:txBody>
-      </p:sp>
-      <p:sp>
-        <p:nvSpPr>
-          <p:cNvPr id="4" name="Date Placeholder 3"/>
-          <p:cNvSpPr>
-            <a:spLocks noGrp="1"/>
-          </p:cNvSpPr>
-          <p:nvPr>
-            <p:ph type="dt" sz="half" idx="10"/>
-          </p:nvPr>
-        </p:nvSpPr>
-        <p:spPr/>
-        <p:txBody>
-          <a:bodyPr/>
-          <a:lstStyle/>
-          <a:p>
-            <a:fld id="{528FC5F6-F338-4AE4-BB23-26385BCFC423}" type="datetimeFigureOut">
-              <a:rPr lang="en-US" dirty="0"/>
               <a:t>11/19/2014</a:t>
             </a:fld>
             <a:endParaRPr lang="en-US" dirty="0"/>
@@ -1025,25 +1045,32 @@
           <a:bodyPr/>
           <a:lstStyle/>
           <a:p>
-            <a:fld id="{6113E31D-E2AB-40D1-8B51-AFA5AFEF393A}" type="slidenum">
-              <a:rPr lang="en-US" dirty="0"/>
-              <a:t>‹#›</a:t>
+            <a:fld id="{4FAB73BC-B049-4115-A692-8D63A059BFB8}" type="slidenum">
+              <a:rPr lang="en-US" smtClean="0"/>
+              <a:pPr/>
+              <a:t>‹Nr.›</a:t>
             </a:fld>
             <a:endParaRPr lang="en-US" dirty="0"/>
           </a:p>
         </p:txBody>
       </p:sp>
     </p:spTree>
+    <p:extLst>
+      <p:ext uri="{BB962C8B-B14F-4D97-AF65-F5344CB8AC3E}">
+        <p14:creationId xmlns:p14="http://schemas.microsoft.com/office/powerpoint/2010/main" val="350757030"/>
+      </p:ext>
+    </p:extLst>
   </p:cSld>
   <p:clrMapOvr>
     <a:masterClrMapping/>
   </p:clrMapOvr>
+  <p:hf sldNum="0" hdr="0" ftr="0" dt="0"/>
 </p:sldLayout>
 </file>
 
 <file path=ppt/slideLayouts/slideLayout3.xml><?xml version="1.0" encoding="utf-8"?>
 <p:sldLayout xmlns:a="http://schemas.openxmlformats.org/drawingml/2006/main" xmlns:r="http://schemas.openxmlformats.org/officeDocument/2006/relationships" xmlns:p="http://schemas.openxmlformats.org/presentationml/2006/main" showMasterSp="0" type="secHead" preserve="1">
-  <p:cSld name="Section Header">
+  <p:cSld name="Abschnitts-&#10;überschrift">
     <p:bg>
       <p:bgPr>
         <a:solidFill>
@@ -1074,8 +1101,8 @@
         </p:nvSpPr>
         <p:spPr>
           <a:xfrm>
-            <a:off x="3175" y="6400800"/>
-            <a:ext cx="12188825" cy="457200"/>
+            <a:off x="2382" y="6400800"/>
+            <a:ext cx="9141619" cy="457200"/>
           </a:xfrm>
           <a:prstGeom prst="rect">
             <a:avLst/>
@@ -1112,8 +1139,8 @@
         </p:nvSpPr>
         <p:spPr>
           <a:xfrm>
-            <a:off x="15" y="6334316"/>
-            <a:ext cx="12188825" cy="64008"/>
+            <a:off x="12" y="6334316"/>
+            <a:ext cx="9141619" cy="64008"/>
           </a:xfrm>
           <a:prstGeom prst="rect">
             <a:avLst/>
@@ -1154,8 +1181,8 @@
         </p:nvSpPr>
         <p:spPr>
           <a:xfrm>
-            <a:off x="1097280" y="758952"/>
-            <a:ext cx="10058400" cy="3566160"/>
+            <a:off x="822960" y="758952"/>
+            <a:ext cx="7543800" cy="3566160"/>
           </a:xfrm>
         </p:spPr>
         <p:txBody>
@@ -1179,8 +1206,8 @@
           </a:lstStyle>
           <a:p>
             <a:r>
-              <a:rPr lang="en-US" smtClean="0"/>
-              <a:t>Click to edit Master title style</a:t>
+              <a:rPr lang="de-DE" smtClean="0"/>
+              <a:t>Titelmasterformat durch Klicken bearbeiten</a:t>
             </a:r>
             <a:endParaRPr lang="en-US" dirty="0"/>
           </a:p>
@@ -1198,8 +1225,8 @@
         </p:nvSpPr>
         <p:spPr>
           <a:xfrm>
-            <a:off x="1097280" y="4453128"/>
-            <a:ext cx="10058400" cy="1143000"/>
+            <a:off x="822960" y="4453128"/>
+            <a:ext cx="7543800" cy="1143000"/>
           </a:xfrm>
         </p:spPr>
         <p:txBody>
@@ -1300,29 +1327,29 @@
           <a:p>
             <a:pPr lvl="0"/>
             <a:r>
+              <a:rPr lang="de-DE" smtClean="0"/>
+              <a:t>Textmasterformat bearbeiten</a:t>
+            </a:r>
+          </a:p>
+        </p:txBody>
+      </p:sp>
+      <p:sp>
+        <p:nvSpPr>
+          <p:cNvPr id="4" name="Date Placeholder 3"/>
+          <p:cNvSpPr>
+            <a:spLocks noGrp="1"/>
+          </p:cNvSpPr>
+          <p:nvPr>
+            <p:ph type="dt" sz="half" idx="10"/>
+          </p:nvPr>
+        </p:nvSpPr>
+        <p:spPr/>
+        <p:txBody>
+          <a:bodyPr/>
+          <a:lstStyle/>
+          <a:p>
+            <a:fld id="{98624D31-43A5-475A-80CF-332C9F6DCF35}" type="datetimeFigureOut">
               <a:rPr lang="en-US" smtClean="0"/>
-              <a:t>Click to edit Master text styles</a:t>
-            </a:r>
-          </a:p>
-        </p:txBody>
-      </p:sp>
-      <p:sp>
-        <p:nvSpPr>
-          <p:cNvPr id="4" name="Date Placeholder 3"/>
-          <p:cNvSpPr>
-            <a:spLocks noGrp="1"/>
-          </p:cNvSpPr>
-          <p:nvPr>
-            <p:ph type="dt" sz="half" idx="10"/>
-          </p:nvPr>
-        </p:nvSpPr>
-        <p:spPr/>
-        <p:txBody>
-          <a:bodyPr/>
-          <a:lstStyle/>
-          <a:p>
-            <a:fld id="{20EBB0C4-6273-4C6E-B9BD-2EDC30F1CD52}" type="datetimeFigureOut">
-              <a:rPr lang="en-US" dirty="0"/>
               <a:t>11/19/2014</a:t>
             </a:fld>
             <a:endParaRPr lang="en-US" dirty="0"/>
@@ -1364,8 +1391,9 @@
           <a:lstStyle/>
           <a:p>
             <a:fld id="{4FAB73BC-B049-4115-A692-8D63A059BFB8}" type="slidenum">
-              <a:rPr lang="en-US" dirty="0"/>
-              <a:t>‹#›</a:t>
+              <a:rPr lang="en-US" smtClean="0"/>
+              <a:pPr/>
+              <a:t>‹Nr.›</a:t>
             </a:fld>
             <a:endParaRPr lang="en-US" dirty="0"/>
           </a:p>
@@ -1379,8 +1407,8 @@
         </p:nvCxnSpPr>
         <p:spPr>
           <a:xfrm>
-            <a:off x="1207658" y="4343400"/>
-            <a:ext cx="9875520" cy="0"/>
+            <a:off x="905744" y="4343400"/>
+            <a:ext cx="7406640" cy="0"/>
           </a:xfrm>
           <a:prstGeom prst="line">
             <a:avLst/>
@@ -1410,16 +1438,22 @@
         </p:style>
       </p:cxnSp>
     </p:spTree>
+    <p:extLst>
+      <p:ext uri="{BB962C8B-B14F-4D97-AF65-F5344CB8AC3E}">
+        <p14:creationId xmlns:p14="http://schemas.microsoft.com/office/powerpoint/2010/main" val="1433078271"/>
+      </p:ext>
+    </p:extLst>
   </p:cSld>
   <p:clrMapOvr>
     <a:masterClrMapping/>
   </p:clrMapOvr>
+  <p:hf sldNum="0" hdr="0" ftr="0" dt="0"/>
 </p:sldLayout>
 </file>
 
 <file path=ppt/slideLayouts/slideLayout4.xml><?xml version="1.0" encoding="utf-8"?>
 <p:sldLayout xmlns:a="http://schemas.openxmlformats.org/drawingml/2006/main" xmlns:r="http://schemas.openxmlformats.org/officeDocument/2006/relationships" xmlns:p="http://schemas.openxmlformats.org/presentationml/2006/main" type="twoObj" preserve="1">
-  <p:cSld name="Two Content">
+  <p:cSld name="Zwei Inhalte">
     <p:spTree>
       <p:nvGrpSpPr>
         <p:cNvPr id="1" name=""/>
@@ -1446,8 +1480,8 @@
         </p:nvSpPr>
         <p:spPr>
           <a:xfrm>
-            <a:off x="1097280" y="286603"/>
-            <a:ext cx="10058400" cy="1450757"/>
+            <a:off x="822960" y="286604"/>
+            <a:ext cx="7543800" cy="1450757"/>
           </a:xfrm>
         </p:spPr>
         <p:txBody>
@@ -1455,8 +1489,8 @@
           <a:lstStyle/>
           <a:p>
             <a:r>
-              <a:rPr lang="en-US" smtClean="0"/>
-              <a:t>Click to edit Master title style</a:t>
+              <a:rPr lang="de-DE" smtClean="0"/>
+              <a:t>Titelmasterformat durch Klicken bearbeiten</a:t>
             </a:r>
             <a:endParaRPr lang="en-US" dirty="0"/>
           </a:p>
@@ -1474,8 +1508,8 @@
         </p:nvSpPr>
         <p:spPr>
           <a:xfrm>
-            <a:off x="1097279" y="1845734"/>
-            <a:ext cx="4937760" cy="4023360"/>
+            <a:off x="822960" y="1845734"/>
+            <a:ext cx="3703320" cy="4023360"/>
           </a:xfrm>
         </p:spPr>
         <p:txBody>
@@ -1484,36 +1518,36 @@
           <a:p>
             <a:pPr lvl="0"/>
             <a:r>
-              <a:rPr lang="en-US" smtClean="0"/>
-              <a:t>Click to edit Master text styles</a:t>
+              <a:rPr lang="de-DE" smtClean="0"/>
+              <a:t>Textmasterformat bearbeiten</a:t>
             </a:r>
           </a:p>
           <a:p>
             <a:pPr lvl="1"/>
             <a:r>
-              <a:rPr lang="en-US" smtClean="0"/>
-              <a:t>Second level</a:t>
+              <a:rPr lang="de-DE" smtClean="0"/>
+              <a:t>Zweite Ebene</a:t>
             </a:r>
           </a:p>
           <a:p>
             <a:pPr lvl="2"/>
             <a:r>
-              <a:rPr lang="en-US" smtClean="0"/>
-              <a:t>Third level</a:t>
+              <a:rPr lang="de-DE" smtClean="0"/>
+              <a:t>Dritte Ebene</a:t>
             </a:r>
           </a:p>
           <a:p>
             <a:pPr lvl="3"/>
             <a:r>
-              <a:rPr lang="en-US" smtClean="0"/>
-              <a:t>Fourth level</a:t>
+              <a:rPr lang="de-DE" smtClean="0"/>
+              <a:t>Vierte Ebene</a:t>
             </a:r>
           </a:p>
           <a:p>
             <a:pPr lvl="4"/>
             <a:r>
-              <a:rPr lang="en-US" smtClean="0"/>
-              <a:t>Fifth level</a:t>
+              <a:rPr lang="de-DE" smtClean="0"/>
+              <a:t>Fünfte Ebene</a:t>
             </a:r>
             <a:endParaRPr lang="en-US" dirty="0"/>
           </a:p>
@@ -1531,8 +1565,8 @@
         </p:nvSpPr>
         <p:spPr>
           <a:xfrm>
-            <a:off x="6217920" y="1845735"/>
-            <a:ext cx="4937760" cy="4023360"/>
+            <a:off x="4663440" y="1845736"/>
+            <a:ext cx="3703320" cy="4023359"/>
           </a:xfrm>
         </p:spPr>
         <p:txBody>
@@ -1541,58 +1575,58 @@
           <a:p>
             <a:pPr lvl="0"/>
             <a:r>
+              <a:rPr lang="de-DE" smtClean="0"/>
+              <a:t>Textmasterformat bearbeiten</a:t>
+            </a:r>
+          </a:p>
+          <a:p>
+            <a:pPr lvl="1"/>
+            <a:r>
+              <a:rPr lang="de-DE" smtClean="0"/>
+              <a:t>Zweite Ebene</a:t>
+            </a:r>
+          </a:p>
+          <a:p>
+            <a:pPr lvl="2"/>
+            <a:r>
+              <a:rPr lang="de-DE" smtClean="0"/>
+              <a:t>Dritte Ebene</a:t>
+            </a:r>
+          </a:p>
+          <a:p>
+            <a:pPr lvl="3"/>
+            <a:r>
+              <a:rPr lang="de-DE" smtClean="0"/>
+              <a:t>Vierte Ebene</a:t>
+            </a:r>
+          </a:p>
+          <a:p>
+            <a:pPr lvl="4"/>
+            <a:r>
+              <a:rPr lang="de-DE" smtClean="0"/>
+              <a:t>Fünfte Ebene</a:t>
+            </a:r>
+            <a:endParaRPr lang="en-US" dirty="0"/>
+          </a:p>
+        </p:txBody>
+      </p:sp>
+      <p:sp>
+        <p:nvSpPr>
+          <p:cNvPr id="5" name="Date Placeholder 4"/>
+          <p:cNvSpPr>
+            <a:spLocks noGrp="1"/>
+          </p:cNvSpPr>
+          <p:nvPr>
+            <p:ph type="dt" sz="half" idx="10"/>
+          </p:nvPr>
+        </p:nvSpPr>
+        <p:spPr/>
+        <p:txBody>
+          <a:bodyPr/>
+          <a:lstStyle/>
+          <a:p>
+            <a:fld id="{98624D31-43A5-475A-80CF-332C9F6DCF35}" type="datetimeFigureOut">
               <a:rPr lang="en-US" smtClean="0"/>
-              <a:t>Click to edit Master text styles</a:t>
-            </a:r>
-          </a:p>
-          <a:p>
-            <a:pPr lvl="1"/>
-            <a:r>
-              <a:rPr lang="en-US" smtClean="0"/>
-              <a:t>Second level</a:t>
-            </a:r>
-          </a:p>
-          <a:p>
-            <a:pPr lvl="2"/>
-            <a:r>
-              <a:rPr lang="en-US" smtClean="0"/>
-              <a:t>Third level</a:t>
-            </a:r>
-          </a:p>
-          <a:p>
-            <a:pPr lvl="3"/>
-            <a:r>
-              <a:rPr lang="en-US" smtClean="0"/>
-              <a:t>Fourth level</a:t>
-            </a:r>
-          </a:p>
-          <a:p>
-            <a:pPr lvl="4"/>
-            <a:r>
-              <a:rPr lang="en-US" smtClean="0"/>
-              <a:t>Fifth level</a:t>
-            </a:r>
-            <a:endParaRPr lang="en-US" dirty="0"/>
-          </a:p>
-        </p:txBody>
-      </p:sp>
-      <p:sp>
-        <p:nvSpPr>
-          <p:cNvPr id="5" name="Date Placeholder 4"/>
-          <p:cNvSpPr>
-            <a:spLocks noGrp="1"/>
-          </p:cNvSpPr>
-          <p:nvPr>
-            <p:ph type="dt" sz="half" idx="10"/>
-          </p:nvPr>
-        </p:nvSpPr>
-        <p:spPr/>
-        <p:txBody>
-          <a:bodyPr/>
-          <a:lstStyle/>
-          <a:p>
-            <a:fld id="{19AB4D41-86C1-4908-B66A-0B50CEB3BF29}" type="datetimeFigureOut">
-              <a:rPr lang="en-US" dirty="0"/>
               <a:t>11/19/2014</a:t>
             </a:fld>
             <a:endParaRPr lang="en-US" dirty="0"/>
@@ -1634,24 +1668,31 @@
           <a:lstStyle/>
           <a:p>
             <a:fld id="{4FAB73BC-B049-4115-A692-8D63A059BFB8}" type="slidenum">
-              <a:rPr lang="en-US" dirty="0"/>
-              <a:t>‹#›</a:t>
+              <a:rPr lang="en-US" smtClean="0"/>
+              <a:pPr/>
+              <a:t>‹Nr.›</a:t>
             </a:fld>
             <a:endParaRPr lang="en-US" dirty="0"/>
           </a:p>
         </p:txBody>
       </p:sp>
     </p:spTree>
+    <p:extLst>
+      <p:ext uri="{BB962C8B-B14F-4D97-AF65-F5344CB8AC3E}">
+        <p14:creationId xmlns:p14="http://schemas.microsoft.com/office/powerpoint/2010/main" val="2604966421"/>
+      </p:ext>
+    </p:extLst>
   </p:cSld>
   <p:clrMapOvr>
     <a:masterClrMapping/>
   </p:clrMapOvr>
+  <p:hf sldNum="0" hdr="0" ftr="0" dt="0"/>
 </p:sldLayout>
 </file>
 
 <file path=ppt/slideLayouts/slideLayout5.xml><?xml version="1.0" encoding="utf-8"?>
 <p:sldLayout xmlns:a="http://schemas.openxmlformats.org/drawingml/2006/main" xmlns:r="http://schemas.openxmlformats.org/officeDocument/2006/relationships" xmlns:p="http://schemas.openxmlformats.org/presentationml/2006/main" type="twoTxTwoObj" preserve="1">
-  <p:cSld name="Comparison">
+  <p:cSld name="Vergleich">
     <p:spTree>
       <p:nvGrpSpPr>
         <p:cNvPr id="1" name=""/>
@@ -1678,8 +1719,8 @@
         </p:nvSpPr>
         <p:spPr>
           <a:xfrm>
-            <a:off x="1097280" y="286603"/>
-            <a:ext cx="10058400" cy="1450757"/>
+            <a:off x="822960" y="286604"/>
+            <a:ext cx="7543800" cy="1450757"/>
           </a:xfrm>
         </p:spPr>
         <p:txBody>
@@ -1687,8 +1728,8 @@
           <a:lstStyle/>
           <a:p>
             <a:r>
-              <a:rPr lang="en-US" smtClean="0"/>
-              <a:t>Click to edit Master title style</a:t>
+              <a:rPr lang="de-DE" smtClean="0"/>
+              <a:t>Titelmasterformat durch Klicken bearbeiten</a:t>
             </a:r>
             <a:endParaRPr lang="en-US" dirty="0"/>
           </a:p>
@@ -1706,8 +1747,8 @@
         </p:nvSpPr>
         <p:spPr>
           <a:xfrm>
-            <a:off x="1097280" y="1846052"/>
-            <a:ext cx="4937760" cy="736282"/>
+            <a:off x="822960" y="1846052"/>
+            <a:ext cx="3703320" cy="736282"/>
           </a:xfrm>
         </p:spPr>
         <p:txBody>
@@ -1759,8 +1800,8 @@
           <a:p>
             <a:pPr lvl="0"/>
             <a:r>
-              <a:rPr lang="en-US" smtClean="0"/>
-              <a:t>Click to edit Master text styles</a:t>
+              <a:rPr lang="de-DE" smtClean="0"/>
+              <a:t>Textmasterformat bearbeiten</a:t>
             </a:r>
           </a:p>
         </p:txBody>
@@ -1777,8 +1818,8 @@
         </p:nvSpPr>
         <p:spPr>
           <a:xfrm>
-            <a:off x="1097280" y="2582334"/>
-            <a:ext cx="4937760" cy="3378200"/>
+            <a:off x="822960" y="2582334"/>
+            <a:ext cx="3703320" cy="3286760"/>
           </a:xfrm>
         </p:spPr>
         <p:txBody>
@@ -1787,36 +1828,36 @@
           <a:p>
             <a:pPr lvl="0"/>
             <a:r>
-              <a:rPr lang="en-US" smtClean="0"/>
-              <a:t>Click to edit Master text styles</a:t>
+              <a:rPr lang="de-DE" smtClean="0"/>
+              <a:t>Textmasterformat bearbeiten</a:t>
             </a:r>
           </a:p>
           <a:p>
             <a:pPr lvl="1"/>
             <a:r>
-              <a:rPr lang="en-US" smtClean="0"/>
-              <a:t>Second level</a:t>
+              <a:rPr lang="de-DE" smtClean="0"/>
+              <a:t>Zweite Ebene</a:t>
             </a:r>
           </a:p>
           <a:p>
             <a:pPr lvl="2"/>
             <a:r>
-              <a:rPr lang="en-US" smtClean="0"/>
-              <a:t>Third level</a:t>
+              <a:rPr lang="de-DE" smtClean="0"/>
+              <a:t>Dritte Ebene</a:t>
             </a:r>
           </a:p>
           <a:p>
             <a:pPr lvl="3"/>
             <a:r>
-              <a:rPr lang="en-US" smtClean="0"/>
-              <a:t>Fourth level</a:t>
+              <a:rPr lang="de-DE" smtClean="0"/>
+              <a:t>Vierte Ebene</a:t>
             </a:r>
           </a:p>
           <a:p>
             <a:pPr lvl="4"/>
             <a:r>
-              <a:rPr lang="en-US" smtClean="0"/>
-              <a:t>Fifth level</a:t>
+              <a:rPr lang="de-DE" smtClean="0"/>
+              <a:t>Fünfte Ebene</a:t>
             </a:r>
             <a:endParaRPr lang="en-US" dirty="0"/>
           </a:p>
@@ -1834,8 +1875,8 @@
         </p:nvSpPr>
         <p:spPr>
           <a:xfrm>
-            <a:off x="6217920" y="1846052"/>
-            <a:ext cx="4937760" cy="736282"/>
+            <a:off x="4663440" y="1846052"/>
+            <a:ext cx="3703320" cy="736282"/>
           </a:xfrm>
         </p:spPr>
         <p:txBody>
@@ -1887,8 +1928,8 @@
           <a:p>
             <a:pPr lvl="0"/>
             <a:r>
-              <a:rPr lang="en-US" smtClean="0"/>
-              <a:t>Click to edit Master text styles</a:t>
+              <a:rPr lang="de-DE" smtClean="0"/>
+              <a:t>Textmasterformat bearbeiten</a:t>
             </a:r>
           </a:p>
         </p:txBody>
@@ -1905,8 +1946,8 @@
         </p:nvSpPr>
         <p:spPr>
           <a:xfrm>
-            <a:off x="6217920" y="2582334"/>
-            <a:ext cx="4937760" cy="3378200"/>
+            <a:off x="4663440" y="2582334"/>
+            <a:ext cx="3703320" cy="3286760"/>
           </a:xfrm>
         </p:spPr>
         <p:txBody>
@@ -1915,58 +1956,58 @@
           <a:p>
             <a:pPr lvl="0"/>
             <a:r>
+              <a:rPr lang="de-DE" smtClean="0"/>
+              <a:t>Textmasterformat bearbeiten</a:t>
+            </a:r>
+          </a:p>
+          <a:p>
+            <a:pPr lvl="1"/>
+            <a:r>
+              <a:rPr lang="de-DE" smtClean="0"/>
+              <a:t>Zweite Ebene</a:t>
+            </a:r>
+          </a:p>
+          <a:p>
+            <a:pPr lvl="2"/>
+            <a:r>
+              <a:rPr lang="de-DE" smtClean="0"/>
+              <a:t>Dritte Ebene</a:t>
+            </a:r>
+          </a:p>
+          <a:p>
+            <a:pPr lvl="3"/>
+            <a:r>
+              <a:rPr lang="de-DE" smtClean="0"/>
+              <a:t>Vierte Ebene</a:t>
+            </a:r>
+          </a:p>
+          <a:p>
+            <a:pPr lvl="4"/>
+            <a:r>
+              <a:rPr lang="de-DE" smtClean="0"/>
+              <a:t>Fünfte Ebene</a:t>
+            </a:r>
+            <a:endParaRPr lang="en-US" dirty="0"/>
+          </a:p>
+        </p:txBody>
+      </p:sp>
+      <p:sp>
+        <p:nvSpPr>
+          <p:cNvPr id="7" name="Date Placeholder 6"/>
+          <p:cNvSpPr>
+            <a:spLocks noGrp="1"/>
+          </p:cNvSpPr>
+          <p:nvPr>
+            <p:ph type="dt" sz="half" idx="10"/>
+          </p:nvPr>
+        </p:nvSpPr>
+        <p:spPr/>
+        <p:txBody>
+          <a:bodyPr/>
+          <a:lstStyle/>
+          <a:p>
+            <a:fld id="{98624D31-43A5-475A-80CF-332C9F6DCF35}" type="datetimeFigureOut">
               <a:rPr lang="en-US" smtClean="0"/>
-              <a:t>Click to edit Master text styles</a:t>
-            </a:r>
-          </a:p>
-          <a:p>
-            <a:pPr lvl="1"/>
-            <a:r>
-              <a:rPr lang="en-US" smtClean="0"/>
-              <a:t>Second level</a:t>
-            </a:r>
-          </a:p>
-          <a:p>
-            <a:pPr lvl="2"/>
-            <a:r>
-              <a:rPr lang="en-US" smtClean="0"/>
-              <a:t>Third level</a:t>
-            </a:r>
-          </a:p>
-          <a:p>
-            <a:pPr lvl="3"/>
-            <a:r>
-              <a:rPr lang="en-US" smtClean="0"/>
-              <a:t>Fourth level</a:t>
-            </a:r>
-          </a:p>
-          <a:p>
-            <a:pPr lvl="4"/>
-            <a:r>
-              <a:rPr lang="en-US" smtClean="0"/>
-              <a:t>Fifth level</a:t>
-            </a:r>
-            <a:endParaRPr lang="en-US" dirty="0"/>
-          </a:p>
-        </p:txBody>
-      </p:sp>
-      <p:sp>
-        <p:nvSpPr>
-          <p:cNvPr id="7" name="Date Placeholder 6"/>
-          <p:cNvSpPr>
-            <a:spLocks noGrp="1"/>
-          </p:cNvSpPr>
-          <p:nvPr>
-            <p:ph type="dt" sz="half" idx="10"/>
-          </p:nvPr>
-        </p:nvSpPr>
-        <p:spPr/>
-        <p:txBody>
-          <a:bodyPr/>
-          <a:lstStyle/>
-          <a:p>
-            <a:fld id="{E6426E2C-56C1-4E0D-A793-0088A7FDD37E}" type="datetimeFigureOut">
-              <a:rPr lang="en-US" dirty="0"/>
               <a:t>11/19/2014</a:t>
             </a:fld>
             <a:endParaRPr lang="en-US" dirty="0"/>
@@ -2008,24 +2049,31 @@
           <a:lstStyle/>
           <a:p>
             <a:fld id="{4FAB73BC-B049-4115-A692-8D63A059BFB8}" type="slidenum">
-              <a:rPr lang="en-US" dirty="0"/>
-              <a:t>‹#›</a:t>
+              <a:rPr lang="en-US" smtClean="0"/>
+              <a:pPr/>
+              <a:t>‹Nr.›</a:t>
             </a:fld>
             <a:endParaRPr lang="en-US" dirty="0"/>
           </a:p>
         </p:txBody>
       </p:sp>
     </p:spTree>
+    <p:extLst>
+      <p:ext uri="{BB962C8B-B14F-4D97-AF65-F5344CB8AC3E}">
+        <p14:creationId xmlns:p14="http://schemas.microsoft.com/office/powerpoint/2010/main" val="2613257729"/>
+      </p:ext>
+    </p:extLst>
   </p:cSld>
   <p:clrMapOvr>
     <a:masterClrMapping/>
   </p:clrMapOvr>
+  <p:hf sldNum="0" hdr="0" ftr="0" dt="0"/>
 </p:sldLayout>
 </file>
 
 <file path=ppt/slideLayouts/slideLayout6.xml><?xml version="1.0" encoding="utf-8"?>
 <p:sldLayout xmlns:a="http://schemas.openxmlformats.org/drawingml/2006/main" xmlns:r="http://schemas.openxmlformats.org/officeDocument/2006/relationships" xmlns:p="http://schemas.openxmlformats.org/presentationml/2006/main" type="titleOnly" preserve="1">
-  <p:cSld name="Title Only">
+  <p:cSld name="Nur Titel">
     <p:spTree>
       <p:nvGrpSpPr>
         <p:cNvPr id="1" name=""/>
@@ -2056,30 +2104,30 @@
           <a:lstStyle/>
           <a:p>
             <a:r>
+              <a:rPr lang="de-DE" smtClean="0"/>
+              <a:t>Titelmasterformat durch Klicken bearbeiten</a:t>
+            </a:r>
+            <a:endParaRPr lang="en-US" dirty="0"/>
+          </a:p>
+        </p:txBody>
+      </p:sp>
+      <p:sp>
+        <p:nvSpPr>
+          <p:cNvPr id="3" name="Date Placeholder 2"/>
+          <p:cNvSpPr>
+            <a:spLocks noGrp="1"/>
+          </p:cNvSpPr>
+          <p:nvPr>
+            <p:ph type="dt" sz="half" idx="10"/>
+          </p:nvPr>
+        </p:nvSpPr>
+        <p:spPr/>
+        <p:txBody>
+          <a:bodyPr/>
+          <a:lstStyle/>
+          <a:p>
+            <a:fld id="{98624D31-43A5-475A-80CF-332C9F6DCF35}" type="datetimeFigureOut">
               <a:rPr lang="en-US" smtClean="0"/>
-              <a:t>Click to edit Master title style</a:t>
-            </a:r>
-            <a:endParaRPr lang="en-US" dirty="0"/>
-          </a:p>
-        </p:txBody>
-      </p:sp>
-      <p:sp>
-        <p:nvSpPr>
-          <p:cNvPr id="3" name="Date Placeholder 2"/>
-          <p:cNvSpPr>
-            <a:spLocks noGrp="1"/>
-          </p:cNvSpPr>
-          <p:nvPr>
-            <p:ph type="dt" sz="half" idx="10"/>
-          </p:nvPr>
-        </p:nvSpPr>
-        <p:spPr/>
-        <p:txBody>
-          <a:bodyPr/>
-          <a:lstStyle/>
-          <a:p>
-            <a:fld id="{C8C39B41-D8B5-4052-B551-9B5525EAA8B6}" type="datetimeFigureOut">
-              <a:rPr lang="en-US" dirty="0"/>
               <a:t>11/19/2014</a:t>
             </a:fld>
             <a:endParaRPr lang="en-US" dirty="0"/>
@@ -2121,24 +2169,31 @@
           <a:lstStyle/>
           <a:p>
             <a:fld id="{4FAB73BC-B049-4115-A692-8D63A059BFB8}" type="slidenum">
-              <a:rPr lang="en-US" dirty="0"/>
-              <a:t>‹#›</a:t>
+              <a:rPr lang="en-US" smtClean="0"/>
+              <a:pPr/>
+              <a:t>‹Nr.›</a:t>
             </a:fld>
             <a:endParaRPr lang="en-US" dirty="0"/>
           </a:p>
         </p:txBody>
       </p:sp>
     </p:spTree>
+    <p:extLst>
+      <p:ext uri="{BB962C8B-B14F-4D97-AF65-F5344CB8AC3E}">
+        <p14:creationId xmlns:p14="http://schemas.microsoft.com/office/powerpoint/2010/main" val="2164301912"/>
+      </p:ext>
+    </p:extLst>
   </p:cSld>
   <p:clrMapOvr>
     <a:masterClrMapping/>
   </p:clrMapOvr>
+  <p:hf sldNum="0" hdr="0" ftr="0" dt="0"/>
 </p:sldLayout>
 </file>
 
 <file path=ppt/slideLayouts/slideLayout7.xml><?xml version="1.0" encoding="utf-8"?>
 <p:sldLayout xmlns:a="http://schemas.openxmlformats.org/drawingml/2006/main" xmlns:r="http://schemas.openxmlformats.org/officeDocument/2006/relationships" xmlns:p="http://schemas.openxmlformats.org/presentationml/2006/main" showMasterSp="0" type="blank" preserve="1">
-  <p:cSld name="Blank">
+  <p:cSld name="Leer">
     <p:spTree>
       <p:nvGrpSpPr>
         <p:cNvPr id="1" name=""/>
@@ -2161,8 +2216,8 @@
         </p:nvSpPr>
         <p:spPr>
           <a:xfrm>
-            <a:off x="3175" y="6400800"/>
-            <a:ext cx="12188825" cy="457200"/>
+            <a:off x="2382" y="6400800"/>
+            <a:ext cx="9141619" cy="457200"/>
           </a:xfrm>
           <a:prstGeom prst="rect">
             <a:avLst/>
@@ -2199,8 +2254,8 @@
         </p:nvSpPr>
         <p:spPr>
           <a:xfrm>
-            <a:off x="15" y="6334316"/>
-            <a:ext cx="12188825" cy="64008"/>
+            <a:off x="12" y="6334316"/>
+            <a:ext cx="9141619" cy="64008"/>
           </a:xfrm>
           <a:prstGeom prst="rect">
             <a:avLst/>
@@ -2244,8 +2299,8 @@
           <a:bodyPr/>
           <a:lstStyle/>
           <a:p>
-            <a:fld id="{4D94136C-8742-45B2-AF27-D93DF72833A9}" type="datetimeFigureOut">
-              <a:rPr lang="en-US" dirty="0"/>
+            <a:fld id="{98624D31-43A5-475A-80CF-332C9F6DCF35}" type="datetimeFigureOut">
+              <a:rPr lang="en-US" smtClean="0"/>
               <a:t>11/19/2014</a:t>
             </a:fld>
             <a:endParaRPr lang="en-US" dirty="0"/>
@@ -2295,25 +2350,31 @@
           <a:lstStyle/>
           <a:p>
             <a:fld id="{4FAB73BC-B049-4115-A692-8D63A059BFB8}" type="slidenum">
-              <a:rPr lang="en-US" dirty="0"/>
+              <a:rPr lang="en-US" smtClean="0"/>
               <a:pPr/>
-              <a:t>‹#›</a:t>
+              <a:t>‹Nr.›</a:t>
             </a:fld>
             <a:endParaRPr lang="en-US" dirty="0"/>
           </a:p>
         </p:txBody>
       </p:sp>
     </p:spTree>
+    <p:extLst>
+      <p:ext uri="{BB962C8B-B14F-4D97-AF65-F5344CB8AC3E}">
+        <p14:creationId xmlns:p14="http://schemas.microsoft.com/office/powerpoint/2010/main" val="3183715245"/>
+      </p:ext>
+    </p:extLst>
   </p:cSld>
   <p:clrMapOvr>
     <a:masterClrMapping/>
   </p:clrMapOvr>
+  <p:hf sldNum="0" hdr="0" ftr="0" dt="0"/>
 </p:sldLayout>
 </file>
 
 <file path=ppt/slideLayouts/slideLayout8.xml><?xml version="1.0" encoding="utf-8"?>
 <p:sldLayout xmlns:a="http://schemas.openxmlformats.org/drawingml/2006/main" xmlns:r="http://schemas.openxmlformats.org/officeDocument/2006/relationships" xmlns:p="http://schemas.openxmlformats.org/presentationml/2006/main" showMasterSp="0" type="objTx" preserve="1">
-  <p:cSld name="Content with Caption">
+  <p:cSld name="Inhalt mit Überschrift">
     <p:spTree>
       <p:nvGrpSpPr>
         <p:cNvPr id="1" name=""/>
@@ -2336,8 +2397,8 @@
         </p:nvSpPr>
         <p:spPr>
           <a:xfrm>
-            <a:off x="16" y="0"/>
-            <a:ext cx="4050791" cy="6858000"/>
+            <a:off x="13" y="0"/>
+            <a:ext cx="3038093" cy="6858000"/>
           </a:xfrm>
           <a:prstGeom prst="rect">
             <a:avLst/>
@@ -2374,8 +2435,8 @@
         </p:nvSpPr>
         <p:spPr>
           <a:xfrm>
-            <a:off x="4040071" y="0"/>
-            <a:ext cx="64008" cy="6858000"/>
+            <a:off x="3030053" y="0"/>
+            <a:ext cx="48006" cy="6858000"/>
           </a:xfrm>
           <a:prstGeom prst="rect">
             <a:avLst/>
@@ -2416,8 +2477,8 @@
         </p:nvSpPr>
         <p:spPr>
           <a:xfrm>
-            <a:off x="457200" y="594359"/>
-            <a:ext cx="3200400" cy="2286000"/>
+            <a:off x="342900" y="594359"/>
+            <a:ext cx="2400300" cy="2286000"/>
           </a:xfrm>
         </p:spPr>
         <p:txBody>
@@ -2435,8 +2496,8 @@
           </a:lstStyle>
           <a:p>
             <a:r>
-              <a:rPr lang="en-US" smtClean="0"/>
-              <a:t>Click to edit Master title style</a:t>
+              <a:rPr lang="de-DE" smtClean="0"/>
+              <a:t>Titelmasterformat durch Klicken bearbeiten</a:t>
             </a:r>
             <a:endParaRPr lang="en-US" dirty="0"/>
           </a:p>
@@ -2454,8 +2515,8 @@
         </p:nvSpPr>
         <p:spPr>
           <a:xfrm>
-            <a:off x="4800600" y="731520"/>
-            <a:ext cx="6492240" cy="5257800"/>
+            <a:off x="3460237" y="731520"/>
+            <a:ext cx="5009393" cy="5257800"/>
           </a:xfrm>
         </p:spPr>
         <p:txBody>
@@ -2464,36 +2525,36 @@
           <a:p>
             <a:pPr lvl="0"/>
             <a:r>
-              <a:rPr lang="en-US" smtClean="0"/>
-              <a:t>Click to edit Master text styles</a:t>
+              <a:rPr lang="de-DE" smtClean="0"/>
+              <a:t>Textmasterformat bearbeiten</a:t>
             </a:r>
           </a:p>
           <a:p>
             <a:pPr lvl="1"/>
             <a:r>
-              <a:rPr lang="en-US" smtClean="0"/>
-              <a:t>Second level</a:t>
+              <a:rPr lang="de-DE" smtClean="0"/>
+              <a:t>Zweite Ebene</a:t>
             </a:r>
           </a:p>
           <a:p>
             <a:pPr lvl="2"/>
             <a:r>
-              <a:rPr lang="en-US" smtClean="0"/>
-              <a:t>Third level</a:t>
+              <a:rPr lang="de-DE" smtClean="0"/>
+              <a:t>Dritte Ebene</a:t>
             </a:r>
           </a:p>
           <a:p>
             <a:pPr lvl="3"/>
             <a:r>
-              <a:rPr lang="en-US" smtClean="0"/>
-              <a:t>Fourth level</a:t>
+              <a:rPr lang="de-DE" smtClean="0"/>
+              <a:t>Vierte Ebene</a:t>
             </a:r>
           </a:p>
           <a:p>
             <a:pPr lvl="4"/>
             <a:r>
-              <a:rPr lang="en-US" smtClean="0"/>
-              <a:t>Fifth level</a:t>
+              <a:rPr lang="de-DE" smtClean="0"/>
+              <a:t>Fünfte Ebene</a:t>
             </a:r>
             <a:endParaRPr lang="en-US" dirty="0"/>
           </a:p>
@@ -2511,8 +2572,8 @@
         </p:nvSpPr>
         <p:spPr>
           <a:xfrm>
-            <a:off x="457200" y="2926080"/>
-            <a:ext cx="3200400" cy="3379124"/>
+            <a:off x="342900" y="2926080"/>
+            <a:ext cx="2400300" cy="3379124"/>
           </a:xfrm>
         </p:spPr>
         <p:txBody>
@@ -2564,8 +2625,8 @@
           <a:p>
             <a:pPr lvl="0"/>
             <a:r>
-              <a:rPr lang="en-US" smtClean="0"/>
-              <a:t>Click to edit Master text styles</a:t>
+              <a:rPr lang="de-DE" smtClean="0"/>
+              <a:t>Textmasterformat bearbeiten</a:t>
             </a:r>
           </a:p>
         </p:txBody>
@@ -2582,8 +2643,8 @@
         </p:nvSpPr>
         <p:spPr>
           <a:xfrm>
-            <a:off x="465512" y="6459785"/>
-            <a:ext cx="2618510" cy="365125"/>
+            <a:off x="349134" y="6459786"/>
+            <a:ext cx="1963883" cy="365125"/>
           </a:xfrm>
         </p:spPr>
         <p:txBody>
@@ -2594,8 +2655,8 @@
             </a:lvl1pPr>
           </a:lstStyle>
           <a:p>
-            <a:fld id="{32ABBEA6-7C60-4B02-AE87-00D78D8422AF}" type="datetimeFigureOut">
-              <a:rPr lang="en-US" dirty="0"/>
+            <a:fld id="{98624D31-43A5-475A-80CF-332C9F6DCF35}" type="datetimeFigureOut">
+              <a:rPr lang="en-US" smtClean="0"/>
               <a:t>11/19/2014</a:t>
             </a:fld>
             <a:endParaRPr lang="en-US" dirty="0"/>
@@ -2614,8 +2675,8 @@
         </p:nvSpPr>
         <p:spPr>
           <a:xfrm>
-            <a:off x="4800600" y="6459785"/>
-            <a:ext cx="4648200" cy="365125"/>
+            <a:off x="3600450" y="6459786"/>
+            <a:ext cx="3486150" cy="365125"/>
           </a:xfrm>
         </p:spPr>
         <p:txBody>
@@ -2658,25 +2719,31 @@
           </a:lstStyle>
           <a:p>
             <a:fld id="{4FAB73BC-B049-4115-A692-8D63A059BFB8}" type="slidenum">
-              <a:rPr lang="en-US" dirty="0"/>
+              <a:rPr lang="en-US" smtClean="0"/>
               <a:pPr/>
-              <a:t>‹#›</a:t>
+              <a:t>‹Nr.›</a:t>
             </a:fld>
             <a:endParaRPr lang="en-US" dirty="0"/>
           </a:p>
         </p:txBody>
       </p:sp>
     </p:spTree>
+    <p:extLst>
+      <p:ext uri="{BB962C8B-B14F-4D97-AF65-F5344CB8AC3E}">
+        <p14:creationId xmlns:p14="http://schemas.microsoft.com/office/powerpoint/2010/main" val="914438905"/>
+      </p:ext>
+    </p:extLst>
   </p:cSld>
   <p:clrMapOvr>
     <a:masterClrMapping/>
   </p:clrMapOvr>
+  <p:hf sldNum="0" hdr="0" ftr="0" dt="0"/>
 </p:sldLayout>
 </file>
 
 <file path=ppt/slideLayouts/slideLayout9.xml><?xml version="1.0" encoding="utf-8"?>
 <p:sldLayout xmlns:a="http://schemas.openxmlformats.org/drawingml/2006/main" xmlns:r="http://schemas.openxmlformats.org/officeDocument/2006/relationships" xmlns:p="http://schemas.openxmlformats.org/presentationml/2006/main" showMasterSp="0" type="picTx" preserve="1">
-  <p:cSld name="Picture with Caption">
+  <p:cSld name="Bild mit Überschrift">
     <p:spTree>
       <p:nvGrpSpPr>
         <p:cNvPr id="1" name=""/>
@@ -2700,7 +2767,7 @@
         <p:spPr>
           <a:xfrm>
             <a:off x="0" y="4953000"/>
-            <a:ext cx="12188825" cy="1905000"/>
+            <a:ext cx="9141619" cy="1905000"/>
           </a:xfrm>
           <a:prstGeom prst="rect">
             <a:avLst/>
@@ -2737,8 +2804,8 @@
         </p:nvSpPr>
         <p:spPr>
           <a:xfrm>
-            <a:off x="15" y="4915076"/>
-            <a:ext cx="12188825" cy="64008"/>
+            <a:off x="12" y="4915076"/>
+            <a:ext cx="9141619" cy="64008"/>
           </a:xfrm>
           <a:prstGeom prst="rect">
             <a:avLst/>
@@ -2779,12 +2846,12 @@
         </p:nvSpPr>
         <p:spPr>
           <a:xfrm>
-            <a:off x="1097280" y="5074920"/>
-            <a:ext cx="10113264" cy="822960"/>
+            <a:off x="822960" y="5074920"/>
+            <a:ext cx="7589520" cy="822960"/>
           </a:xfrm>
         </p:spPr>
         <p:txBody>
-          <a:bodyPr lIns="91440" tIns="0" rIns="91440" bIns="0" anchor="b">
+          <a:bodyPr tIns="0" bIns="0" anchor="b">
             <a:noAutofit/>
           </a:bodyPr>
           <a:lstStyle>
@@ -2798,8 +2865,8 @@
           </a:lstStyle>
           <a:p>
             <a:r>
-              <a:rPr lang="en-US" smtClean="0"/>
-              <a:t>Click to edit Master title style</a:t>
+              <a:rPr lang="de-DE" smtClean="0"/>
+              <a:t>Titelmasterformat durch Klicken bearbeiten</a:t>
             </a:r>
             <a:endParaRPr lang="en-US" dirty="0"/>
           </a:p>
@@ -2817,8 +2884,8 @@
         </p:nvSpPr>
         <p:spPr>
           <a:xfrm>
-            <a:off x="15" y="0"/>
-            <a:ext cx="12191985" cy="4915076"/>
+            <a:off x="12" y="0"/>
+            <a:ext cx="9143989" cy="4915076"/>
           </a:xfrm>
           <a:blipFill>
             <a:blip r:embed="rId2"/>
@@ -2873,8 +2940,8 @@
           </a:lstStyle>
           <a:p>
             <a:r>
-              <a:rPr lang="en-US" smtClean="0"/>
-              <a:t>Click icon to add picture</a:t>
+              <a:rPr lang="de-DE" smtClean="0"/>
+              <a:t>Bild durch Klicken auf Symbol hinzufügen</a:t>
             </a:r>
             <a:endParaRPr lang="en-US" dirty="0"/>
           </a:p>
@@ -2892,8 +2959,8 @@
         </p:nvSpPr>
         <p:spPr>
           <a:xfrm>
-            <a:off x="1097280" y="5907023"/>
-            <a:ext cx="10113264" cy="594360"/>
+            <a:off x="822959" y="5907024"/>
+            <a:ext cx="7589520" cy="594360"/>
           </a:xfrm>
         </p:spPr>
         <p:txBody>
@@ -2951,29 +3018,29 @@
           <a:p>
             <a:pPr lvl="0"/>
             <a:r>
+              <a:rPr lang="de-DE" smtClean="0"/>
+              <a:t>Textmasterformat bearbeiten</a:t>
+            </a:r>
+          </a:p>
+        </p:txBody>
+      </p:sp>
+      <p:sp>
+        <p:nvSpPr>
+          <p:cNvPr id="5" name="Date Placeholder 4"/>
+          <p:cNvSpPr>
+            <a:spLocks noGrp="1"/>
+          </p:cNvSpPr>
+          <p:nvPr>
+            <p:ph type="dt" sz="half" idx="10"/>
+          </p:nvPr>
+        </p:nvSpPr>
+        <p:spPr/>
+        <p:txBody>
+          <a:bodyPr/>
+          <a:lstStyle/>
+          <a:p>
+            <a:fld id="{98624D31-43A5-475A-80CF-332C9F6DCF35}" type="datetimeFigureOut">
               <a:rPr lang="en-US" smtClean="0"/>
-              <a:t>Click to edit Master text styles</a:t>
-            </a:r>
-          </a:p>
-        </p:txBody>
-      </p:sp>
-      <p:sp>
-        <p:nvSpPr>
-          <p:cNvPr id="5" name="Date Placeholder 4"/>
-          <p:cNvSpPr>
-            <a:spLocks noGrp="1"/>
-          </p:cNvSpPr>
-          <p:nvPr>
-            <p:ph type="dt" sz="half" idx="10"/>
-          </p:nvPr>
-        </p:nvSpPr>
-        <p:spPr/>
-        <p:txBody>
-          <a:bodyPr/>
-          <a:lstStyle/>
-          <a:p>
-            <a:fld id="{C9CAD897-D46E-4AD2-BD9B-49DD3E640873}" type="datetimeFigureOut">
-              <a:rPr lang="en-US" dirty="0"/>
               <a:t>11/19/2014</a:t>
             </a:fld>
             <a:endParaRPr lang="en-US" dirty="0"/>
@@ -3015,18 +3082,25 @@
           <a:lstStyle/>
           <a:p>
             <a:fld id="{4FAB73BC-B049-4115-A692-8D63A059BFB8}" type="slidenum">
-              <a:rPr lang="en-US" dirty="0"/>
-              <a:t>‹#›</a:t>
+              <a:rPr lang="en-US" smtClean="0"/>
+              <a:pPr/>
+              <a:t>‹Nr.›</a:t>
             </a:fld>
             <a:endParaRPr lang="en-US" dirty="0"/>
           </a:p>
         </p:txBody>
       </p:sp>
     </p:spTree>
+    <p:extLst>
+      <p:ext uri="{BB962C8B-B14F-4D97-AF65-F5344CB8AC3E}">
+        <p14:creationId xmlns:p14="http://schemas.microsoft.com/office/powerpoint/2010/main" val="2638506699"/>
+      </p:ext>
+    </p:extLst>
   </p:cSld>
   <p:clrMapOvr>
     <a:masterClrMapping/>
   </p:clrMapOvr>
+  <p:hf sldNum="0" hdr="0" ftr="0" dt="0"/>
 </p:sldLayout>
 </file>
 
@@ -3060,8 +3134,8 @@
         </p:nvSpPr>
         <p:spPr>
           <a:xfrm>
-            <a:off x="1" y="6400800"/>
-            <a:ext cx="12192000" cy="457200"/>
+            <a:off x="0" y="6400800"/>
+            <a:ext cx="9144001" cy="457200"/>
           </a:xfrm>
           <a:prstGeom prst="rect">
             <a:avLst/>
@@ -3098,8 +3172,8 @@
         </p:nvSpPr>
         <p:spPr>
           <a:xfrm>
-            <a:off x="0" y="6334316"/>
-            <a:ext cx="12192001" cy="65998"/>
+            <a:off x="0" y="6334315"/>
+            <a:ext cx="9144001" cy="65999"/>
           </a:xfrm>
           <a:prstGeom prst="rect">
             <a:avLst/>
@@ -3140,8 +3214,8 @@
         </p:nvSpPr>
         <p:spPr>
           <a:xfrm>
-            <a:off x="1097280" y="286603"/>
-            <a:ext cx="10058400" cy="1450757"/>
+            <a:off x="822960" y="286604"/>
+            <a:ext cx="7543800" cy="1450757"/>
           </a:xfrm>
           <a:prstGeom prst="rect">
             <a:avLst/>
@@ -3154,8 +3228,8 @@
           <a:lstStyle/>
           <a:p>
             <a:r>
-              <a:rPr lang="en-US" smtClean="0"/>
-              <a:t>Click to edit Master title style</a:t>
+              <a:rPr lang="de-DE" smtClean="0"/>
+              <a:t>Titelmasterformat durch Klicken bearbeiten</a:t>
             </a:r>
             <a:endParaRPr lang="en-US" dirty="0"/>
           </a:p>
@@ -3173,8 +3247,8 @@
         </p:nvSpPr>
         <p:spPr>
           <a:xfrm>
-            <a:off x="1097280" y="1845734"/>
-            <a:ext cx="10058400" cy="4023360"/>
+            <a:off x="822959" y="1845734"/>
+            <a:ext cx="7543801" cy="4023360"/>
           </a:xfrm>
           <a:prstGeom prst="rect">
             <a:avLst/>
@@ -3188,36 +3262,36 @@
           <a:p>
             <a:pPr lvl="0"/>
             <a:r>
-              <a:rPr lang="en-US" smtClean="0"/>
-              <a:t>Click to edit Master text styles</a:t>
+              <a:rPr lang="de-DE" smtClean="0"/>
+              <a:t>Textmasterformat bearbeiten</a:t>
             </a:r>
           </a:p>
           <a:p>
             <a:pPr lvl="1"/>
             <a:r>
-              <a:rPr lang="en-US" smtClean="0"/>
-              <a:t>Second level</a:t>
+              <a:rPr lang="de-DE" smtClean="0"/>
+              <a:t>Zweite Ebene</a:t>
             </a:r>
           </a:p>
           <a:p>
             <a:pPr lvl="2"/>
             <a:r>
-              <a:rPr lang="en-US" smtClean="0"/>
-              <a:t>Third level</a:t>
+              <a:rPr lang="de-DE" smtClean="0"/>
+              <a:t>Dritte Ebene</a:t>
             </a:r>
           </a:p>
           <a:p>
             <a:pPr lvl="3"/>
             <a:r>
-              <a:rPr lang="en-US" smtClean="0"/>
-              <a:t>Fourth level</a:t>
+              <a:rPr lang="de-DE" smtClean="0"/>
+              <a:t>Vierte Ebene</a:t>
             </a:r>
           </a:p>
           <a:p>
             <a:pPr lvl="4"/>
             <a:r>
-              <a:rPr lang="en-US" smtClean="0"/>
-              <a:t>Fifth level</a:t>
+              <a:rPr lang="de-DE" smtClean="0"/>
+              <a:t>Fünfte Ebene</a:t>
             </a:r>
             <a:endParaRPr lang="en-US" dirty="0"/>
           </a:p>
@@ -3235,8 +3309,8 @@
         </p:nvSpPr>
         <p:spPr>
           <a:xfrm>
-            <a:off x="1097280" y="6459785"/>
-            <a:ext cx="2472271" cy="365125"/>
+            <a:off x="822961" y="6459786"/>
+            <a:ext cx="1854203" cy="365125"/>
           </a:xfrm>
           <a:prstGeom prst="rect">
             <a:avLst/>
@@ -3255,7 +3329,7 @@
           </a:lstStyle>
           <a:p>
             <a:fld id="{98624D31-43A5-475A-80CF-332C9F6DCF35}" type="datetimeFigureOut">
-              <a:rPr lang="en-US" dirty="0"/>
+              <a:rPr lang="en-US" smtClean="0"/>
               <a:t>11/19/2014</a:t>
             </a:fld>
             <a:endParaRPr lang="en-US" dirty="0"/>
@@ -3274,8 +3348,8 @@
         </p:nvSpPr>
         <p:spPr>
           <a:xfrm>
-            <a:off x="3686185" y="6459785"/>
-            <a:ext cx="4822804" cy="365125"/>
+            <a:off x="2764639" y="6459786"/>
+            <a:ext cx="3617103" cy="365125"/>
           </a:xfrm>
           <a:prstGeom prst="rect">
             <a:avLst/>
@@ -3309,8 +3383,8 @@
         </p:nvSpPr>
         <p:spPr>
           <a:xfrm>
-            <a:off x="9900458" y="6459785"/>
-            <a:ext cx="1312025" cy="365125"/>
+            <a:off x="7425344" y="6459786"/>
+            <a:ext cx="984019" cy="365125"/>
           </a:xfrm>
           <a:prstGeom prst="rect">
             <a:avLst/>
@@ -3329,9 +3403,9 @@
           </a:lstStyle>
           <a:p>
             <a:fld id="{4FAB73BC-B049-4115-A692-8D63A059BFB8}" type="slidenum">
-              <a:rPr lang="en-US" dirty="0"/>
+              <a:rPr lang="en-US" smtClean="0"/>
               <a:pPr/>
-              <a:t>‹#›</a:t>
+              <a:t>‹Nr.›</a:t>
             </a:fld>
             <a:endParaRPr lang="en-US" dirty="0"/>
           </a:p>
@@ -3345,8 +3419,8 @@
         </p:nvCxnSpPr>
         <p:spPr>
           <a:xfrm>
-            <a:off x="1193532" y="1737845"/>
-            <a:ext cx="9966960" cy="0"/>
+            <a:off x="895149" y="1737845"/>
+            <a:ext cx="7475220" cy="0"/>
           </a:xfrm>
           <a:prstGeom prst="line">
             <a:avLst/>
@@ -3376,20 +3450,25 @@
         </p:style>
       </p:cxnSp>
     </p:spTree>
+    <p:extLst>
+      <p:ext uri="{BB962C8B-B14F-4D97-AF65-F5344CB8AC3E}">
+        <p14:creationId xmlns:p14="http://schemas.microsoft.com/office/powerpoint/2010/main" val="2432063097"/>
+      </p:ext>
+    </p:extLst>
   </p:cSld>
   <p:clrMap bg1="lt1" tx1="dk1" bg2="lt2" tx2="dk2" accent1="accent1" accent2="accent2" accent3="accent3" accent4="accent4" accent5="accent5" accent6="accent6" hlink="hlink" folHlink="folHlink"/>
   <p:sldLayoutIdLst>
-    <p:sldLayoutId id="2147483649" r:id="rId1"/>
-    <p:sldLayoutId id="2147483660" r:id="rId2"/>
-    <p:sldLayoutId id="2147483651" r:id="rId3"/>
-    <p:sldLayoutId id="2147483652" r:id="rId4"/>
-    <p:sldLayoutId id="2147483653" r:id="rId5"/>
-    <p:sldLayoutId id="2147483654" r:id="rId6"/>
-    <p:sldLayoutId id="2147483655" r:id="rId7"/>
-    <p:sldLayoutId id="2147483656" r:id="rId8"/>
-    <p:sldLayoutId id="2147483657" r:id="rId9"/>
-    <p:sldLayoutId id="2147483658" r:id="rId10"/>
-    <p:sldLayoutId id="2147483659" r:id="rId11"/>
+    <p:sldLayoutId id="2147483662" r:id="rId1"/>
+    <p:sldLayoutId id="2147483663" r:id="rId2"/>
+    <p:sldLayoutId id="2147483664" r:id="rId3"/>
+    <p:sldLayoutId id="2147483665" r:id="rId4"/>
+    <p:sldLayoutId id="2147483666" r:id="rId5"/>
+    <p:sldLayoutId id="2147483667" r:id="rId6"/>
+    <p:sldLayoutId id="2147483668" r:id="rId7"/>
+    <p:sldLayoutId id="2147483669" r:id="rId8"/>
+    <p:sldLayoutId id="2147483670" r:id="rId9"/>
+    <p:sldLayoutId id="2147483671" r:id="rId10"/>
+    <p:sldLayoutId id="2147483672" r:id="rId11"/>
   </p:sldLayoutIdLst>
   <p:hf sldNum="0" hdr="0" ftr="0" dt="0"/>
   <p:txStyles>
@@ -3789,7 +3868,7 @@
         </p:nvSpPr>
         <p:spPr>
           <a:xfrm>
-            <a:off x="1097280" y="758952"/>
+            <a:off x="149928" y="758952"/>
             <a:ext cx="10058400" cy="733672"/>
           </a:xfrm>
         </p:spPr>
@@ -3800,7 +3879,7 @@
           <a:lstStyle/>
           <a:p>
             <a:r>
-              <a:rPr lang="en-GB" sz="4400" dirty="0" smtClean="0"/>
+              <a:rPr lang="en-GB" sz="4400" dirty="0"/>
               <a:t>Advanced Computer Graphics</a:t>
             </a:r>
             <a:endParaRPr lang="en-GB" sz="4400" dirty="0"/>
@@ -3858,7 +3937,7 @@
         </p:nvSpPr>
         <p:spPr>
           <a:xfrm>
-            <a:off x="4585446" y="1492624"/>
+            <a:off x="3061447" y="1492624"/>
             <a:ext cx="6710083" cy="523220"/>
           </a:xfrm>
           <a:prstGeom prst="rect">
@@ -3873,7 +3952,7 @@
           <a:lstStyle/>
           <a:p>
             <a:r>
-              <a:rPr lang="en-GB" sz="2800" dirty="0" smtClean="0"/>
+              <a:rPr lang="en-GB" sz="2800" dirty="0"/>
               <a:t>Ray Tracing Project - Project Presentation</a:t>
             </a:r>
             <a:endParaRPr lang="en-GB" sz="2800" dirty="0"/>
@@ -3890,6 +3969,13 @@
   <p:clrMapOvr>
     <a:masterClrMapping/>
   </p:clrMapOvr>
+  <p:timing>
+    <p:tnLst>
+      <p:par>
+        <p:cTn id="1" dur="indefinite" restart="never" nodeType="tmRoot"/>
+      </p:par>
+    </p:tnLst>
+  </p:timing>
 </p:sld>
 </file>
 
@@ -3976,8 +4062,19 @@
             </a:r>
             <a:r>
               <a:rPr lang="en-GB" dirty="0" smtClean="0"/>
-              <a:t>Our implementation allows the camera position to be changed</a:t>
-            </a:r>
+              <a:t>Our implementation allows the camera position to be </a:t>
+            </a:r>
+            <a:r>
+              <a:rPr lang="en-GB" dirty="0" smtClean="0"/>
+              <a:t>changed</a:t>
+            </a:r>
+          </a:p>
+          <a:p>
+            <a:pPr lvl="1">
+              <a:buFont typeface="Wingdings" panose="05000000000000000000" pitchFamily="2" charset="2"/>
+              <a:buChar char="§"/>
+            </a:pPr>
+            <a:endParaRPr lang="en-GB" dirty="0" smtClean="0"/>
           </a:p>
           <a:p>
             <a:pPr>
@@ -3999,6 +4096,36 @@
           </a:p>
         </p:txBody>
       </p:sp>
+      <p:pic>
+        <p:nvPicPr>
+          <p:cNvPr id="4" name="Grafik 3"/>
+          <p:cNvPicPr>
+            <a:picLocks noChangeAspect="1"/>
+          </p:cNvPicPr>
+          <p:nvPr/>
+        </p:nvPicPr>
+        <p:blipFill>
+          <a:blip r:embed="rId2">
+            <a:extLst>
+              <a:ext uri="{28A0092B-C50C-407E-A947-70E740481C1C}">
+                <a14:useLocalDpi xmlns:a14="http://schemas.microsoft.com/office/drawing/2010/main" val="0"/>
+              </a:ext>
+            </a:extLst>
+          </a:blip>
+          <a:stretch>
+            <a:fillRect/>
+          </a:stretch>
+        </p:blipFill>
+        <p:spPr>
+          <a:xfrm>
+            <a:off x="5552302" y="2742305"/>
+            <a:ext cx="3311739" cy="2230218"/>
+          </a:xfrm>
+          <a:prstGeom prst="rect">
+            <a:avLst/>
+          </a:prstGeom>
+        </p:spPr>
+      </p:pic>
     </p:spTree>
     <p:extLst>
       <p:ext uri="{BB962C8B-B14F-4D97-AF65-F5344CB8AC3E}">
@@ -4009,6 +4136,13 @@
   <p:clrMapOvr>
     <a:masterClrMapping/>
   </p:clrMapOvr>
+  <p:timing>
+    <p:tnLst>
+      <p:par>
+        <p:cTn id="1" dur="indefinite" restart="never" nodeType="tmRoot"/>
+      </p:par>
+    </p:tnLst>
+  </p:timing>
 </p:sld>
 </file>
 
@@ -4078,22 +4212,22 @@
               <a:t> </a:t>
             </a:r>
             <a:r>
-              <a:rPr lang="en-GB" sz="2800" dirty="0" smtClean="0"/>
+              <a:rPr lang="en-GB" sz="2800" dirty="0"/>
               <a:t>Motion Blur 			</a:t>
             </a:r>
             <a:r>
-              <a:rPr lang="en-GB" sz="1600" dirty="0" smtClean="0"/>
+              <a:rPr lang="en-GB" sz="1600" dirty="0"/>
               <a:t>(</a:t>
             </a:r>
             <a:r>
-              <a:rPr lang="en-GB" sz="1600" dirty="0" err="1" smtClean="0"/>
+              <a:rPr lang="en-GB" sz="1600" dirty="0" err="1"/>
               <a:t>Okulmus</a:t>
             </a:r>
             <a:r>
-              <a:rPr lang="en-GB" sz="1600" dirty="0" smtClean="0"/>
+              <a:rPr lang="en-GB" sz="1600" dirty="0"/>
               <a:t>)</a:t>
             </a:r>
-            <a:endParaRPr lang="en-GB" sz="2800" dirty="0" smtClean="0"/>
+            <a:endParaRPr lang="en-GB" sz="2800" dirty="0"/>
           </a:p>
           <a:p>
             <a:pPr>
@@ -4105,22 +4239,22 @@
               <a:t> </a:t>
             </a:r>
             <a:r>
-              <a:rPr lang="en-GB" sz="2800" dirty="0" smtClean="0"/>
+              <a:rPr lang="en-GB" sz="2800" dirty="0"/>
               <a:t>Depth of Field 			</a:t>
             </a:r>
             <a:r>
-              <a:rPr lang="en-GB" sz="1600" dirty="0" smtClean="0"/>
+              <a:rPr lang="en-GB" sz="1600" dirty="0"/>
               <a:t>(</a:t>
             </a:r>
             <a:r>
-              <a:rPr lang="en-GB" sz="1600" dirty="0" err="1" smtClean="0"/>
+              <a:rPr lang="en-GB" sz="1600" dirty="0" err="1"/>
               <a:t>Spiss</a:t>
             </a:r>
             <a:r>
-              <a:rPr lang="en-GB" sz="1600" dirty="0" smtClean="0"/>
+              <a:rPr lang="en-GB" sz="1600" dirty="0"/>
               <a:t>)</a:t>
             </a:r>
-            <a:endParaRPr lang="en-GB" sz="2800" dirty="0" smtClean="0"/>
+            <a:endParaRPr lang="en-GB" sz="2800" dirty="0"/>
           </a:p>
           <a:p>
             <a:pPr>
@@ -4132,19 +4266,19 @@
               <a:t> </a:t>
             </a:r>
             <a:r>
-              <a:rPr lang="en-GB" sz="2800" dirty="0" smtClean="0"/>
+              <a:rPr lang="en-GB" sz="2800" dirty="0"/>
               <a:t>Advanced Texture Mapping	</a:t>
             </a:r>
             <a:r>
-              <a:rPr lang="en-GB" sz="1600" dirty="0" smtClean="0"/>
+              <a:rPr lang="en-GB" sz="1600" dirty="0"/>
               <a:t>(</a:t>
             </a:r>
             <a:r>
-              <a:rPr lang="en-GB" sz="1600" dirty="0" err="1" smtClean="0"/>
+              <a:rPr lang="en-GB" sz="1600" dirty="0" err="1"/>
               <a:t>Mildenberger</a:t>
             </a:r>
             <a:r>
-              <a:rPr lang="en-GB" sz="1600" dirty="0" smtClean="0"/>
+              <a:rPr lang="en-GB" sz="1600" dirty="0"/>
               <a:t>)</a:t>
             </a:r>
           </a:p>
@@ -4158,7 +4292,7 @@
               <a:t> </a:t>
             </a:r>
             <a:r>
-              <a:rPr lang="en-GB" sz="2800" dirty="0" smtClean="0"/>
+              <a:rPr lang="en-GB" sz="2800" dirty="0"/>
               <a:t>Extra Features</a:t>
             </a:r>
           </a:p>
@@ -4168,23 +4302,23 @@
               <a:buChar char="§"/>
             </a:pPr>
             <a:r>
-              <a:rPr lang="en-GB" sz="2200" dirty="0" smtClean="0"/>
+              <a:rPr lang="en-GB" sz="2200" dirty="0"/>
               <a:t>Acceleration Structures</a:t>
             </a:r>
             <a:r>
-              <a:rPr lang="en-GB" sz="2600" dirty="0" smtClean="0"/>
+              <a:rPr lang="en-GB" sz="2600" dirty="0"/>
               <a:t>		</a:t>
             </a:r>
             <a:r>
-              <a:rPr lang="en-GB" sz="1600" dirty="0" smtClean="0"/>
+              <a:rPr lang="en-GB" sz="1600" dirty="0"/>
               <a:t>(</a:t>
             </a:r>
             <a:r>
-              <a:rPr lang="en-GB" sz="1600" dirty="0" err="1" smtClean="0"/>
+              <a:rPr lang="en-GB" sz="1600" dirty="0" err="1"/>
               <a:t>Mildenberger</a:t>
             </a:r>
             <a:r>
-              <a:rPr lang="en-GB" sz="1600" dirty="0" smtClean="0"/>
+              <a:rPr lang="en-GB" sz="1600" dirty="0"/>
               <a:t>)</a:t>
             </a:r>
           </a:p>
@@ -4194,23 +4328,23 @@
               <a:buChar char="§"/>
             </a:pPr>
             <a:r>
-              <a:rPr lang="en-GB" sz="2200" dirty="0" smtClean="0"/>
+              <a:rPr lang="en-GB" sz="2200" dirty="0"/>
               <a:t>Camera Control </a:t>
             </a:r>
             <a:r>
-              <a:rPr lang="en-GB" sz="2600" dirty="0" smtClean="0"/>
+              <a:rPr lang="en-GB" sz="2600" dirty="0"/>
               <a:t>			</a:t>
             </a:r>
             <a:r>
-              <a:rPr lang="en-GB" sz="1600" dirty="0" smtClean="0"/>
+              <a:rPr lang="en-GB" sz="1600" dirty="0"/>
               <a:t>(</a:t>
             </a:r>
             <a:r>
-              <a:rPr lang="en-GB" sz="1600" dirty="0" err="1" smtClean="0"/>
+              <a:rPr lang="en-GB" sz="1600" dirty="0" err="1"/>
               <a:t>Spiss</a:t>
             </a:r>
             <a:r>
-              <a:rPr lang="en-GB" sz="1600" dirty="0" smtClean="0"/>
+              <a:rPr lang="en-GB" sz="1600" dirty="0"/>
               <a:t>)</a:t>
             </a:r>
             <a:endParaRPr lang="en-GB" sz="1600" dirty="0"/>
@@ -4227,6 +4361,13 @@
   <p:clrMapOvr>
     <a:masterClrMapping/>
   </p:clrMapOvr>
+  <p:timing>
+    <p:tnLst>
+      <p:par>
+        <p:cTn id="1" dur="indefinite" restart="never" nodeType="tmRoot"/>
+      </p:par>
+    </p:tnLst>
+  </p:timing>
 </p:sld>
 </file>
 
@@ -4367,6 +4508,13 @@
   <p:clrMapOvr>
     <a:masterClrMapping/>
   </p:clrMapOvr>
+  <p:timing>
+    <p:tnLst>
+      <p:par>
+        <p:cTn id="1" dur="indefinite" restart="never" nodeType="tmRoot"/>
+      </p:par>
+    </p:tnLst>
+  </p:timing>
 </p:sld>
 </file>
 
@@ -4434,8 +4582,8 @@
         </p:blipFill>
         <p:spPr>
           <a:xfrm>
-            <a:off x="6126480" y="430303"/>
-            <a:ext cx="5824633" cy="5824633"/>
+            <a:off x="822960" y="1845274"/>
+            <a:ext cx="4427838" cy="4427838"/>
           </a:xfrm>
         </p:spPr>
       </p:pic>
@@ -4449,6 +4597,13 @@
   <p:clrMapOvr>
     <a:masterClrMapping/>
   </p:clrMapOvr>
+  <p:timing>
+    <p:tnLst>
+      <p:par>
+        <p:cTn id="1" dur="indefinite" restart="never" nodeType="tmRoot"/>
+      </p:par>
+    </p:tnLst>
+  </p:timing>
 </p:sld>
 </file>
 
@@ -4600,7 +4755,7 @@
         </p:blipFill>
         <p:spPr>
           <a:xfrm>
-            <a:off x="4946277" y="3068170"/>
+            <a:off x="1032509" y="3117597"/>
             <a:ext cx="7124700" cy="3276600"/>
           </a:xfrm>
           <a:prstGeom prst="rect">
@@ -4618,6 +4773,13 @@
   <p:clrMapOvr>
     <a:masterClrMapping/>
   </p:clrMapOvr>
+  <p:timing>
+    <p:tnLst>
+      <p:par>
+        <p:cTn id="1" dur="indefinite" restart="never" nodeType="tmRoot"/>
+      </p:par>
+    </p:tnLst>
+  </p:timing>
 </p:sld>
 </file>
 
@@ -4690,6 +4852,13 @@
   <p:clrMapOvr>
     <a:masterClrMapping/>
   </p:clrMapOvr>
+  <p:timing>
+    <p:tnLst>
+      <p:par>
+        <p:cTn id="1" dur="indefinite" restart="never" nodeType="tmRoot"/>
+      </p:par>
+    </p:tnLst>
+  </p:timing>
 </p:sld>
 </file>
 
@@ -4827,6 +4996,13 @@
   <p:clrMapOvr>
     <a:masterClrMapping/>
   </p:clrMapOvr>
+  <p:timing>
+    <p:tnLst>
+      <p:par>
+        <p:cTn id="1" dur="indefinite" restart="never" nodeType="tmRoot"/>
+      </p:par>
+    </p:tnLst>
+  </p:timing>
 </p:sld>
 </file>
 
@@ -4899,6 +5075,13 @@
   <p:clrMapOvr>
     <a:masterClrMapping/>
   </p:clrMapOvr>
+  <p:timing>
+    <p:tnLst>
+      <p:par>
+        <p:cTn id="1" dur="indefinite" restart="never" nodeType="tmRoot"/>
+      </p:par>
+    </p:tnLst>
+  </p:timing>
 </p:sld>
 </file>
 
@@ -5039,13 +5222,20 @@
   <p:clrMapOvr>
     <a:masterClrMapping/>
   </p:clrMapOvr>
+  <p:timing>
+    <p:tnLst>
+      <p:par>
+        <p:cTn id="1" dur="indefinite" restart="never" nodeType="tmRoot"/>
+      </p:par>
+    </p:tnLst>
+  </p:timing>
 </p:sld>
 </file>
 
 <file path=ppt/theme/theme1.xml><?xml version="1.0" encoding="utf-8"?>
-<a:theme xmlns:a="http://schemas.openxmlformats.org/drawingml/2006/main" name="Retrospect">
+<a:theme xmlns:a="http://schemas.openxmlformats.org/drawingml/2006/main" name="Rückblick">
   <a:themeElements>
-    <a:clrScheme name="Retrospect">
+    <a:clrScheme name="Rückblick">
       <a:dk1>
         <a:srgbClr val="000000"/>
       </a:dk1>
@@ -5083,7 +5273,7 @@
         <a:srgbClr val="8C8C8C"/>
       </a:folHlink>
     </a:clrScheme>
-    <a:fontScheme name="Retrospect">
+    <a:fontScheme name="Rückblick">
       <a:majorFont>
         <a:latin typeface="Calibri Light" panose="020F0302020204030204"/>
         <a:ea typeface=""/>
@@ -5155,7 +5345,7 @@
         <a:font script="Geor" typeface="Sylfaen"/>
       </a:minorFont>
     </a:fontScheme>
-    <a:fmtScheme name="Retrospect">
+    <a:fmtScheme name="Rückblick">
       <a:fillStyleLst>
         <a:solidFill>
           <a:schemeClr val="phClr"/>

--- a/smallPT_projectACG/presentation/Advanced Computer Graphics.pptx
+++ b/smallPT_projectACG/presentation/Advanced Computer Graphics.pptx
@@ -3882,7 +3882,6 @@
               <a:rPr lang="en-GB" sz="4400" dirty="0"/>
               <a:t>Advanced Computer Graphics</a:t>
             </a:r>
-            <a:endParaRPr lang="en-GB" sz="4400" dirty="0"/>
           </a:p>
         </p:txBody>
       </p:sp>
@@ -3955,7 +3954,6 @@
               <a:rPr lang="en-GB" sz="2800" dirty="0"/>
               <a:t>Ray Tracing Project - Project Presentation</a:t>
             </a:r>
-            <a:endParaRPr lang="en-GB" sz="2800" dirty="0"/>
           </a:p>
         </p:txBody>
       </p:sp>
@@ -4062,11 +4060,11 @@
             </a:r>
             <a:r>
               <a:rPr lang="en-GB" dirty="0" smtClean="0"/>
-              <a:t>Our implementation allows the camera position to be </a:t>
+              <a:t>Our implementation allows </a:t>
             </a:r>
             <a:r>
               <a:rPr lang="en-GB" dirty="0" smtClean="0"/>
-              <a:t>changed</a:t>
+              <a:t>easy change of:</a:t>
             </a:r>
           </a:p>
           <a:p>
@@ -4074,6 +4072,40 @@
               <a:buFont typeface="Wingdings" panose="05000000000000000000" pitchFamily="2" charset="2"/>
               <a:buChar char="§"/>
             </a:pPr>
+            <a:r>
+              <a:rPr lang="en-GB" dirty="0" smtClean="0"/>
+              <a:t>Camera position</a:t>
+            </a:r>
+          </a:p>
+          <a:p>
+            <a:pPr lvl="1">
+              <a:buFont typeface="Wingdings" panose="05000000000000000000" pitchFamily="2" charset="2"/>
+              <a:buChar char="§"/>
+            </a:pPr>
+            <a:r>
+              <a:rPr lang="en-GB" dirty="0" smtClean="0"/>
+              <a:t>Camera direction</a:t>
+            </a:r>
+          </a:p>
+          <a:p>
+            <a:pPr lvl="1">
+              <a:buFont typeface="Wingdings" panose="05000000000000000000" pitchFamily="2" charset="2"/>
+              <a:buChar char="§"/>
+            </a:pPr>
+            <a:r>
+              <a:rPr lang="en-GB" dirty="0" smtClean="0"/>
+              <a:t>Field of view</a:t>
+            </a:r>
+          </a:p>
+          <a:p>
+            <a:pPr lvl="1">
+              <a:buFont typeface="Wingdings" panose="05000000000000000000" pitchFamily="2" charset="2"/>
+              <a:buChar char="§"/>
+            </a:pPr>
+            <a:r>
+              <a:rPr lang="en-GB" smtClean="0"/>
+              <a:t>Focal distance</a:t>
+            </a:r>
             <a:endParaRPr lang="en-GB" dirty="0" smtClean="0"/>
           </a:p>
           <a:p>
@@ -4081,16 +4113,13 @@
               <a:buFont typeface="Wingdings" panose="05000000000000000000" pitchFamily="2" charset="2"/>
               <a:buChar char="§"/>
             </a:pPr>
-            <a:endParaRPr lang="en-GB" dirty="0"/>
-          </a:p>
-          <a:p>
-            <a:pPr>
-              <a:buFont typeface="Wingdings" panose="05000000000000000000" pitchFamily="2" charset="2"/>
-              <a:buChar char="§"/>
-            </a:pPr>
+            <a:r>
+              <a:rPr lang="en-GB" smtClean="0"/>
+              <a:t>Examples </a:t>
+            </a:r>
             <a:r>
               <a:rPr lang="en-GB" dirty="0" smtClean="0"/>
-              <a:t>Examples : </a:t>
+              <a:t>: </a:t>
             </a:r>
             <a:endParaRPr lang="en-GB" dirty="0"/>
           </a:p>
@@ -4209,11 +4238,7 @@
             </a:pPr>
             <a:r>
               <a:rPr lang="en-GB" sz="2800" dirty="0"/>
-              <a:t> </a:t>
-            </a:r>
-            <a:r>
-              <a:rPr lang="en-GB" sz="2800" dirty="0"/>
-              <a:t>Motion Blur 			</a:t>
+              <a:t> Motion Blur 			</a:t>
             </a:r>
             <a:r>
               <a:rPr lang="en-GB" sz="1600" dirty="0"/>
@@ -4236,11 +4261,7 @@
             </a:pPr>
             <a:r>
               <a:rPr lang="en-GB" sz="2800" dirty="0"/>
-              <a:t> </a:t>
-            </a:r>
-            <a:r>
-              <a:rPr lang="en-GB" sz="2800" dirty="0"/>
-              <a:t>Depth of Field 			</a:t>
+              <a:t> Depth of Field 			</a:t>
             </a:r>
             <a:r>
               <a:rPr lang="en-GB" sz="1600" dirty="0"/>
@@ -4263,11 +4284,7 @@
             </a:pPr>
             <a:r>
               <a:rPr lang="en-GB" sz="2800" dirty="0"/>
-              <a:t> </a:t>
-            </a:r>
-            <a:r>
-              <a:rPr lang="en-GB" sz="2800" dirty="0"/>
-              <a:t>Advanced Texture Mapping	</a:t>
+              <a:t> Advanced Texture Mapping	</a:t>
             </a:r>
             <a:r>
               <a:rPr lang="en-GB" sz="1600" dirty="0"/>
@@ -4289,11 +4306,7 @@
             </a:pPr>
             <a:r>
               <a:rPr lang="en-GB" sz="2800" dirty="0"/>
-              <a:t> </a:t>
-            </a:r>
-            <a:r>
-              <a:rPr lang="en-GB" sz="2800" dirty="0"/>
-              <a:t>Extra Features</a:t>
+              <a:t> Extra Features</a:t>
             </a:r>
           </a:p>
           <a:p>
@@ -4347,7 +4360,6 @@
               <a:rPr lang="en-GB" sz="1600" dirty="0"/>
               <a:t>)</a:t>
             </a:r>
-            <a:endParaRPr lang="en-GB" sz="1600" dirty="0"/>
           </a:p>
         </p:txBody>
       </p:sp>
@@ -4975,8 +4987,21 @@
             </a:pPr>
             <a:r>
               <a:rPr lang="en-GB" dirty="0" smtClean="0"/>
-              <a:t>Specular mapping defines the reflection type for every surface point</a:t>
-            </a:r>
+              <a:t>Specular </a:t>
+            </a:r>
+            <a:r>
+              <a:rPr lang="en-GB" dirty="0" smtClean="0"/>
+              <a:t>mapping defines the roughness of the surface </a:t>
+            </a:r>
+            <a:r>
+              <a:rPr lang="en-GB" dirty="0"/>
+              <a:t>(diffuse </a:t>
+            </a:r>
+            <a:r>
+              <a:rPr lang="en-GB" dirty="0" smtClean="0"/>
+              <a:t>→ mirror) </a:t>
+            </a:r>
+            <a:endParaRPr lang="en-GB" dirty="0" smtClean="0"/>
           </a:p>
           <a:p>
             <a:pPr marL="201168" lvl="1" indent="0">
@@ -5168,7 +5193,23 @@
             </a:r>
             <a:r>
               <a:rPr lang="en-GB" dirty="0" smtClean="0"/>
-              <a:t>Acceleration structures allow for faster mesh intersection by reducing unneeded checks</a:t>
+              <a:t>Acceleration structures allow </a:t>
+            </a:r>
+            <a:r>
+              <a:rPr lang="en-GB" dirty="0" smtClean="0"/>
+              <a:t>faster </a:t>
+            </a:r>
+            <a:r>
+              <a:rPr lang="en-GB" dirty="0" smtClean="0"/>
+              <a:t>mesh intersection by </a:t>
+            </a:r>
+            <a:r>
+              <a:rPr lang="en-GB" dirty="0" smtClean="0"/>
+              <a:t>reducing unneeded </a:t>
+            </a:r>
+            <a:r>
+              <a:rPr lang="en-GB" dirty="0" smtClean="0"/>
+              <a:t>checks</a:t>
             </a:r>
           </a:p>
           <a:p>

--- a/smallPT_projectACG/presentation/Advanced Computer Graphics.pptx
+++ b/smallPT_projectACG/presentation/Advanced Computer Graphics.pptx
@@ -15,6 +15,7 @@
     <p:sldId id="263" r:id="rId9"/>
     <p:sldId id="264" r:id="rId10"/>
     <p:sldId id="265" r:id="rId11"/>
+    <p:sldId id="266" r:id="rId12"/>
   </p:sldIdLst>
   <p:sldSz cx="9144000" cy="6858000" type="screen4x3"/>
   <p:notesSz cx="6858000" cy="9144000"/>
@@ -128,6 +129,7 @@
             <p14:sldId id="263"/>
             <p14:sldId id="264"/>
             <p14:sldId id="265"/>
+            <p14:sldId id="266"/>
           </p14:sldIdLst>
         </p14:section>
       </p14:sectionLst>
@@ -4009,6 +4011,7 @@
           <a:bodyPr/>
           <a:lstStyle/>
           <a:p>
+            <a:pPr algn="r"/>
             <a:r>
               <a:rPr lang="en-GB" dirty="0" smtClean="0"/>
               <a:t>Extra Feature: Camera Control</a:t>
@@ -4060,11 +4063,7 @@
             </a:r>
             <a:r>
               <a:rPr lang="en-GB" dirty="0" smtClean="0"/>
-              <a:t>Our implementation allows </a:t>
-            </a:r>
-            <a:r>
-              <a:rPr lang="en-GB" dirty="0" smtClean="0"/>
-              <a:t>easy change of:</a:t>
+              <a:t>Our implementation allows easy change of:</a:t>
             </a:r>
           </a:p>
           <a:p>
@@ -4103,10 +4102,9 @@
               <a:buChar char="§"/>
             </a:pPr>
             <a:r>
-              <a:rPr lang="en-GB" smtClean="0"/>
+              <a:rPr lang="en-GB" dirty="0" smtClean="0"/>
               <a:t>Focal distance</a:t>
             </a:r>
-            <a:endParaRPr lang="en-GB" dirty="0" smtClean="0"/>
           </a:p>
           <a:p>
             <a:pPr>
@@ -4114,8 +4112,8 @@
               <a:buChar char="§"/>
             </a:pPr>
             <a:r>
-              <a:rPr lang="en-GB" smtClean="0"/>
-              <a:t>Examples </a:t>
+              <a:rPr lang="en-GB" dirty="0" smtClean="0"/>
+              <a:t>Example </a:t>
             </a:r>
             <a:r>
               <a:rPr lang="en-GB" dirty="0" smtClean="0"/>
@@ -4127,7 +4125,7 @@
       </p:sp>
       <p:pic>
         <p:nvPicPr>
-          <p:cNvPr id="4" name="Grafik 3"/>
+          <p:cNvPr id="5" name="Grafik 4"/>
           <p:cNvPicPr>
             <a:picLocks noChangeAspect="1"/>
           </p:cNvPicPr>
@@ -4147,18 +4145,197 @@
         </p:blipFill>
         <p:spPr>
           <a:xfrm>
-            <a:off x="5552302" y="2742305"/>
-            <a:ext cx="3311739" cy="2230218"/>
+            <a:off x="5379308" y="2570204"/>
+            <a:ext cx="3764692" cy="3764692"/>
           </a:xfrm>
           <a:prstGeom prst="rect">
             <a:avLst/>
           </a:prstGeom>
         </p:spPr>
       </p:pic>
+      <p:sp>
+        <p:nvSpPr>
+          <p:cNvPr id="6" name="Textfeld 5"/>
+          <p:cNvSpPr txBox="1"/>
+          <p:nvPr/>
+        </p:nvSpPr>
+        <p:spPr>
+          <a:xfrm>
+            <a:off x="4341340" y="5917329"/>
+            <a:ext cx="2075935" cy="369332"/>
+          </a:xfrm>
+          <a:prstGeom prst="rect">
+            <a:avLst/>
+          </a:prstGeom>
+          <a:noFill/>
+        </p:spPr>
+        <p:txBody>
+          <a:bodyPr wrap="square" rtlCol="0">
+            <a:spAutoFit/>
+          </a:bodyPr>
+          <a:lstStyle/>
+          <a:p>
+            <a:r>
+              <a:rPr lang="de-AT" dirty="0" smtClean="0"/>
+              <a:t>1000 </a:t>
+            </a:r>
+            <a:r>
+              <a:rPr lang="de-AT" dirty="0" err="1" smtClean="0"/>
+              <a:t>spp</a:t>
+            </a:r>
+            <a:endParaRPr lang="de-AT" dirty="0"/>
+          </a:p>
+        </p:txBody>
+      </p:sp>
     </p:spTree>
     <p:extLst>
       <p:ext uri="{BB962C8B-B14F-4D97-AF65-F5344CB8AC3E}">
         <p14:creationId xmlns:p14="http://schemas.microsoft.com/office/powerpoint/2010/main" val="1393667690"/>
+      </p:ext>
+    </p:extLst>
+  </p:cSld>
+  <p:clrMapOvr>
+    <a:masterClrMapping/>
+  </p:clrMapOvr>
+  <p:timing>
+    <p:tnLst>
+      <p:par>
+        <p:cTn id="1" dur="indefinite" restart="never" nodeType="tmRoot"/>
+      </p:par>
+    </p:tnLst>
+  </p:timing>
+</p:sld>
+</file>
+
+<file path=ppt/slides/slide11.xml><?xml version="1.0" encoding="utf-8"?>
+<p:sld xmlns:a="http://schemas.openxmlformats.org/drawingml/2006/main" xmlns:r="http://schemas.openxmlformats.org/officeDocument/2006/relationships" xmlns:p="http://schemas.openxmlformats.org/presentationml/2006/main" showMasterSp="0">
+  <p:cSld>
+    <p:spTree>
+      <p:nvGrpSpPr>
+        <p:cNvPr id="1" name=""/>
+        <p:cNvGrpSpPr/>
+        <p:nvPr/>
+      </p:nvGrpSpPr>
+      <p:grpSpPr>
+        <a:xfrm>
+          <a:off x="0" y="0"/>
+          <a:ext cx="0" cy="0"/>
+          <a:chOff x="0" y="0"/>
+          <a:chExt cx="0" cy="0"/>
+        </a:xfrm>
+      </p:grpSpPr>
+      <p:sp>
+        <p:nvSpPr>
+          <p:cNvPr id="2" name="Titel 1"/>
+          <p:cNvSpPr>
+            <a:spLocks noGrp="1"/>
+          </p:cNvSpPr>
+          <p:nvPr>
+            <p:ph type="title"/>
+          </p:nvPr>
+        </p:nvSpPr>
+        <p:spPr>
+          <a:xfrm>
+            <a:off x="740581" y="-528942"/>
+            <a:ext cx="7543800" cy="1450757"/>
+          </a:xfrm>
+        </p:spPr>
+        <p:txBody>
+          <a:bodyPr/>
+          <a:lstStyle/>
+          <a:p>
+            <a:pPr algn="ctr"/>
+            <a:r>
+              <a:rPr lang="de-AT" dirty="0" err="1" smtClean="0"/>
+              <a:t>Thanks</a:t>
+            </a:r>
+            <a:r>
+              <a:rPr lang="de-AT" dirty="0" smtClean="0"/>
+              <a:t> </a:t>
+            </a:r>
+            <a:r>
+              <a:rPr lang="de-AT" dirty="0" err="1" smtClean="0"/>
+              <a:t>for</a:t>
+            </a:r>
+            <a:r>
+              <a:rPr lang="de-AT" dirty="0" smtClean="0"/>
+              <a:t> </a:t>
+            </a:r>
+            <a:r>
+              <a:rPr lang="de-AT" dirty="0" err="1" smtClean="0"/>
+              <a:t>listening</a:t>
+            </a:r>
+            <a:endParaRPr lang="de-AT" dirty="0"/>
+          </a:p>
+        </p:txBody>
+      </p:sp>
+      <p:pic>
+        <p:nvPicPr>
+          <p:cNvPr id="4" name="Inhaltsplatzhalter 3"/>
+          <p:cNvPicPr>
+            <a:picLocks noGrp="1" noChangeAspect="1"/>
+          </p:cNvPicPr>
+          <p:nvPr>
+            <p:ph idx="1"/>
+          </p:nvPr>
+        </p:nvPicPr>
+        <p:blipFill>
+          <a:blip r:embed="rId2">
+            <a:extLst>
+              <a:ext uri="{28A0092B-C50C-407E-A947-70E740481C1C}">
+                <a14:useLocalDpi xmlns:a14="http://schemas.microsoft.com/office/drawing/2010/main" val="0"/>
+              </a:ext>
+            </a:extLst>
+          </a:blip>
+          <a:stretch>
+            <a:fillRect/>
+          </a:stretch>
+        </p:blipFill>
+        <p:spPr>
+          <a:xfrm>
+            <a:off x="1579811" y="921815"/>
+            <a:ext cx="5865340" cy="5865340"/>
+          </a:xfrm>
+        </p:spPr>
+      </p:pic>
+      <p:sp>
+        <p:nvSpPr>
+          <p:cNvPr id="5" name="Textfeld 4"/>
+          <p:cNvSpPr txBox="1"/>
+          <p:nvPr/>
+        </p:nvSpPr>
+        <p:spPr>
+          <a:xfrm>
+            <a:off x="472337" y="6137190"/>
+            <a:ext cx="1375719" cy="369332"/>
+          </a:xfrm>
+          <a:prstGeom prst="rect">
+            <a:avLst/>
+          </a:prstGeom>
+          <a:noFill/>
+        </p:spPr>
+        <p:txBody>
+          <a:bodyPr wrap="square" rtlCol="0">
+            <a:spAutoFit/>
+          </a:bodyPr>
+          <a:lstStyle/>
+          <a:p>
+            <a:r>
+              <a:rPr lang="de-AT" dirty="0" smtClean="0"/>
+              <a:t>1024 </a:t>
+            </a:r>
+            <a:r>
+              <a:rPr lang="de-AT" dirty="0" err="1" smtClean="0"/>
+              <a:t>spp</a:t>
+            </a:r>
+            <a:endParaRPr lang="de-AT" dirty="0"/>
+          </a:p>
+        </p:txBody>
+      </p:sp>
+    </p:spTree>
+    <p:extLst>
+      <p:ext uri="{BB962C8B-B14F-4D97-AF65-F5344CB8AC3E}">
+        <p14:creationId xmlns:p14="http://schemas.microsoft.com/office/powerpoint/2010/main" val="110597680"/>
       </p:ext>
     </p:extLst>
   </p:cSld>
@@ -4207,6 +4384,7 @@
           <a:bodyPr/>
           <a:lstStyle/>
           <a:p>
+            <a:pPr algn="ctr"/>
             <a:r>
               <a:rPr lang="en-GB" dirty="0" smtClean="0"/>
               <a:t>Technical Overview</a:t>
@@ -4415,6 +4593,7 @@
           <a:bodyPr/>
           <a:lstStyle/>
           <a:p>
+            <a:pPr algn="ctr"/>
             <a:r>
               <a:rPr lang="en-GB" dirty="0" smtClean="0"/>
               <a:t>Motion Blur</a:t>
@@ -4562,6 +4741,7 @@
           <a:bodyPr/>
           <a:lstStyle/>
           <a:p>
+            <a:pPr algn="ctr"/>
             <a:r>
               <a:rPr lang="en-GB" dirty="0" smtClean="0"/>
               <a:t>Results Motion Blur</a:t>
@@ -4572,7 +4752,7 @@
       </p:sp>
       <p:pic>
         <p:nvPicPr>
-          <p:cNvPr id="7" name="Content Placeholder 6"/>
+          <p:cNvPr id="4" name="Inhaltsplatzhalter 3"/>
           <p:cNvPicPr>
             <a:picLocks noGrp="1" noChangeAspect="1"/>
           </p:cNvPicPr>
@@ -4594,11 +4774,45 @@
         </p:blipFill>
         <p:spPr>
           <a:xfrm>
-            <a:off x="822960" y="1845274"/>
-            <a:ext cx="4427838" cy="4427838"/>
+            <a:off x="2582862" y="1846263"/>
+            <a:ext cx="4472159" cy="4472159"/>
           </a:xfrm>
         </p:spPr>
       </p:pic>
+      <p:sp>
+        <p:nvSpPr>
+          <p:cNvPr id="5" name="Textfeld 4"/>
+          <p:cNvSpPr txBox="1"/>
+          <p:nvPr/>
+        </p:nvSpPr>
+        <p:spPr>
+          <a:xfrm>
+            <a:off x="7055021" y="5949090"/>
+            <a:ext cx="1121170" cy="369332"/>
+          </a:xfrm>
+          <a:prstGeom prst="rect">
+            <a:avLst/>
+          </a:prstGeom>
+          <a:noFill/>
+        </p:spPr>
+        <p:txBody>
+          <a:bodyPr wrap="square" rtlCol="0">
+            <a:spAutoFit/>
+          </a:bodyPr>
+          <a:lstStyle/>
+          <a:p>
+            <a:r>
+              <a:rPr lang="de-AT" dirty="0" smtClean="0"/>
+              <a:t>560 </a:t>
+            </a:r>
+            <a:r>
+              <a:rPr lang="de-AT" dirty="0" err="1" smtClean="0"/>
+              <a:t>spp</a:t>
+            </a:r>
+            <a:endParaRPr lang="de-AT" dirty="0"/>
+          </a:p>
+        </p:txBody>
+      </p:sp>
     </p:spTree>
     <p:extLst>
       <p:ext uri="{BB962C8B-B14F-4D97-AF65-F5344CB8AC3E}">
@@ -4827,30 +5041,143 @@
           <a:bodyPr/>
           <a:lstStyle/>
           <a:p>
+            <a:pPr algn="ctr"/>
             <a:r>
               <a:rPr lang="en-GB" dirty="0" smtClean="0"/>
-              <a:t>Depth of Field Results</a:t>
+              <a:t>Depth of Field </a:t>
+            </a:r>
+            <a:r>
+              <a:rPr lang="en-GB" dirty="0" smtClean="0"/>
+              <a:t>Result</a:t>
             </a:r>
             <a:endParaRPr lang="en-GB" dirty="0"/>
           </a:p>
         </p:txBody>
       </p:sp>
-      <p:sp>
-        <p:nvSpPr>
-          <p:cNvPr id="3" name="Content Placeholder 2"/>
-          <p:cNvSpPr>
-            <a:spLocks noGrp="1"/>
-          </p:cNvSpPr>
+      <p:pic>
+        <p:nvPicPr>
+          <p:cNvPr id="7" name="Inhaltsplatzhalter 6"/>
+          <p:cNvPicPr>
+            <a:picLocks noGrp="1" noChangeAspect="1"/>
+          </p:cNvPicPr>
           <p:nvPr>
             <p:ph idx="1"/>
           </p:nvPr>
-        </p:nvSpPr>
-        <p:spPr/>
-        <p:txBody>
-          <a:bodyPr/>
-          <a:lstStyle/>
-          <a:p>
-            <a:endParaRPr lang="en-GB"/>
+        </p:nvPicPr>
+        <p:blipFill>
+          <a:blip r:embed="rId2">
+            <a:extLst>
+              <a:ext uri="{28A0092B-C50C-407E-A947-70E740481C1C}">
+                <a14:useLocalDpi xmlns:a14="http://schemas.microsoft.com/office/drawing/2010/main" val="0"/>
+              </a:ext>
+            </a:extLst>
+          </a:blip>
+          <a:stretch>
+            <a:fillRect/>
+          </a:stretch>
+        </p:blipFill>
+        <p:spPr>
+          <a:xfrm>
+            <a:off x="468733" y="2011020"/>
+            <a:ext cx="4022725" cy="4022725"/>
+          </a:xfrm>
+        </p:spPr>
+      </p:pic>
+      <p:sp>
+        <p:nvSpPr>
+          <p:cNvPr id="8" name="Textfeld 7"/>
+          <p:cNvSpPr txBox="1"/>
+          <p:nvPr/>
+        </p:nvSpPr>
+        <p:spPr>
+          <a:xfrm>
+            <a:off x="2265404" y="6033745"/>
+            <a:ext cx="1383957" cy="369332"/>
+          </a:xfrm>
+          <a:prstGeom prst="rect">
+            <a:avLst/>
+          </a:prstGeom>
+          <a:noFill/>
+        </p:spPr>
+        <p:txBody>
+          <a:bodyPr wrap="square" rtlCol="0">
+            <a:spAutoFit/>
+          </a:bodyPr>
+          <a:lstStyle/>
+          <a:p>
+            <a:r>
+              <a:rPr lang="de-AT" dirty="0" smtClean="0"/>
+              <a:t>1096 </a:t>
+            </a:r>
+            <a:r>
+              <a:rPr lang="de-AT" dirty="0" err="1" smtClean="0"/>
+              <a:t>spp</a:t>
+            </a:r>
+            <a:endParaRPr lang="de-AT" dirty="0"/>
+          </a:p>
+        </p:txBody>
+      </p:sp>
+      <p:pic>
+        <p:nvPicPr>
+          <p:cNvPr id="9" name="Grafik 8"/>
+          <p:cNvPicPr>
+            <a:picLocks noChangeAspect="1"/>
+          </p:cNvPicPr>
+          <p:nvPr/>
+        </p:nvPicPr>
+        <p:blipFill>
+          <a:blip r:embed="rId3">
+            <a:extLst>
+              <a:ext uri="{28A0092B-C50C-407E-A947-70E740481C1C}">
+                <a14:useLocalDpi xmlns:a14="http://schemas.microsoft.com/office/drawing/2010/main" val="0"/>
+              </a:ext>
+            </a:extLst>
+          </a:blip>
+          <a:stretch>
+            <a:fillRect/>
+          </a:stretch>
+        </p:blipFill>
+        <p:spPr>
+          <a:xfrm>
+            <a:off x="4753232" y="2011020"/>
+            <a:ext cx="4066746" cy="4066746"/>
+          </a:xfrm>
+          <a:prstGeom prst="rect">
+            <a:avLst/>
+          </a:prstGeom>
+        </p:spPr>
+      </p:pic>
+      <p:sp>
+        <p:nvSpPr>
+          <p:cNvPr id="10" name="Textfeld 9"/>
+          <p:cNvSpPr txBox="1"/>
+          <p:nvPr/>
+        </p:nvSpPr>
+        <p:spPr>
+          <a:xfrm>
+            <a:off x="5795317" y="6065540"/>
+            <a:ext cx="1383957" cy="369332"/>
+          </a:xfrm>
+          <a:prstGeom prst="rect">
+            <a:avLst/>
+          </a:prstGeom>
+          <a:noFill/>
+        </p:spPr>
+        <p:txBody>
+          <a:bodyPr wrap="square" rtlCol="0">
+            <a:spAutoFit/>
+          </a:bodyPr>
+          <a:lstStyle/>
+          <a:p>
+            <a:r>
+              <a:rPr lang="de-AT" dirty="0" smtClean="0"/>
+              <a:t>1000 </a:t>
+            </a:r>
+            <a:r>
+              <a:rPr lang="de-AT" dirty="0" err="1" smtClean="0"/>
+              <a:t>spp</a:t>
+            </a:r>
+            <a:endParaRPr lang="de-AT" dirty="0"/>
           </a:p>
         </p:txBody>
       </p:sp>
@@ -4906,6 +5233,7 @@
           <a:bodyPr/>
           <a:lstStyle/>
           <a:p>
+            <a:pPr algn="ctr"/>
             <a:r>
               <a:rPr lang="en-GB" dirty="0" smtClean="0"/>
               <a:t>Advanced Texture Mapping</a:t>
@@ -4987,11 +5315,7 @@
             </a:pPr>
             <a:r>
               <a:rPr lang="en-GB" dirty="0" smtClean="0"/>
-              <a:t>Specular </a:t>
-            </a:r>
-            <a:r>
-              <a:rPr lang="en-GB" dirty="0" smtClean="0"/>
-              <a:t>mapping defines the roughness of the surface </a:t>
+              <a:t>Specular mapping defines the roughness of the surface </a:t>
             </a:r>
             <a:r>
               <a:rPr lang="en-GB" dirty="0"/>
@@ -5001,7 +5325,6 @@
               <a:rPr lang="en-GB" dirty="0" smtClean="0"/>
               <a:t>→ mirror) </a:t>
             </a:r>
-            <a:endParaRPr lang="en-GB" dirty="0" smtClean="0"/>
           </a:p>
           <a:p>
             <a:pPr marL="201168" lvl="1" indent="0">
@@ -5063,30 +5386,82 @@
           <a:bodyPr/>
           <a:lstStyle/>
           <a:p>
+            <a:pPr algn="ctr"/>
             <a:r>
               <a:rPr lang="en-GB" dirty="0" smtClean="0"/>
-              <a:t>ATM Results</a:t>
+              <a:t>ATM </a:t>
+            </a:r>
+            <a:r>
+              <a:rPr lang="en-GB" dirty="0" smtClean="0"/>
+              <a:t>Result</a:t>
             </a:r>
             <a:endParaRPr lang="en-GB" dirty="0"/>
           </a:p>
         </p:txBody>
       </p:sp>
-      <p:sp>
-        <p:nvSpPr>
-          <p:cNvPr id="3" name="Content Placeholder 2"/>
-          <p:cNvSpPr>
-            <a:spLocks noGrp="1"/>
-          </p:cNvSpPr>
+      <p:pic>
+        <p:nvPicPr>
+          <p:cNvPr id="6" name="Inhaltsplatzhalter 5"/>
+          <p:cNvPicPr>
+            <a:picLocks noGrp="1" noChangeAspect="1"/>
+          </p:cNvPicPr>
           <p:nvPr>
             <p:ph idx="1"/>
           </p:nvPr>
-        </p:nvSpPr>
-        <p:spPr/>
-        <p:txBody>
-          <a:bodyPr/>
-          <a:lstStyle/>
-          <a:p>
-            <a:endParaRPr lang="en-GB"/>
+        </p:nvPicPr>
+        <p:blipFill>
+          <a:blip r:embed="rId2">
+            <a:extLst>
+              <a:ext uri="{28A0092B-C50C-407E-A947-70E740481C1C}">
+                <a14:useLocalDpi xmlns:a14="http://schemas.microsoft.com/office/drawing/2010/main" val="0"/>
+              </a:ext>
+            </a:extLst>
+          </a:blip>
+          <a:stretch>
+            <a:fillRect/>
+          </a:stretch>
+        </p:blipFill>
+        <p:spPr>
+          <a:xfrm>
+            <a:off x="2380735" y="1870812"/>
+            <a:ext cx="4249902" cy="4249902"/>
+          </a:xfrm>
+        </p:spPr>
+      </p:pic>
+      <p:sp>
+        <p:nvSpPr>
+          <p:cNvPr id="7" name="Textfeld 6"/>
+          <p:cNvSpPr txBox="1"/>
+          <p:nvPr/>
+        </p:nvSpPr>
+        <p:spPr>
+          <a:xfrm>
+            <a:off x="6630637" y="5797548"/>
+            <a:ext cx="1944130" cy="646331"/>
+          </a:xfrm>
+          <a:prstGeom prst="rect">
+            <a:avLst/>
+          </a:prstGeom>
+          <a:noFill/>
+        </p:spPr>
+        <p:txBody>
+          <a:bodyPr wrap="square" rtlCol="0">
+            <a:spAutoFit/>
+          </a:bodyPr>
+          <a:lstStyle/>
+          <a:p>
+            <a:r>
+              <a:rPr lang="de-AT" dirty="0" smtClean="0"/>
+              <a:t>1000 </a:t>
+            </a:r>
+            <a:r>
+              <a:rPr lang="de-AT" dirty="0" err="1" smtClean="0"/>
+              <a:t>spp</a:t>
+            </a:r>
+            <a:endParaRPr lang="de-AT" dirty="0" smtClean="0"/>
+          </a:p>
+          <a:p>
+            <a:endParaRPr lang="de-AT" dirty="0"/>
           </a:p>
         </p:txBody>
       </p:sp>
@@ -5142,6 +5517,7 @@
           <a:bodyPr/>
           <a:lstStyle/>
           <a:p>
+            <a:pPr algn="ctr"/>
             <a:r>
               <a:rPr lang="en-GB" dirty="0" smtClean="0"/>
               <a:t>Extra Feature: Acceleration Structure</a:t>
@@ -5193,23 +5569,7 @@
             </a:r>
             <a:r>
               <a:rPr lang="en-GB" dirty="0" smtClean="0"/>
-              <a:t>Acceleration structures allow </a:t>
-            </a:r>
-            <a:r>
-              <a:rPr lang="en-GB" dirty="0" smtClean="0"/>
-              <a:t>faster </a:t>
-            </a:r>
-            <a:r>
-              <a:rPr lang="en-GB" dirty="0" smtClean="0"/>
-              <a:t>mesh intersection by </a:t>
-            </a:r>
-            <a:r>
-              <a:rPr lang="en-GB" dirty="0" smtClean="0"/>
-              <a:t>reducing unneeded </a:t>
-            </a:r>
-            <a:r>
-              <a:rPr lang="en-GB" dirty="0" smtClean="0"/>
-              <a:t>checks</a:t>
+              <a:t>Acceleration structures allow faster mesh intersection by reducing unneeded checks</a:t>
             </a:r>
           </a:p>
           <a:p>
